--- a/picture/ppt/tools/tools.pptx
+++ b/picture/ppt/tools/tools.pptx
@@ -5,10 +5,10 @@
     <p:sldMasterId id="2147483648" r:id="rId1"/>
   </p:sldMasterIdLst>
   <p:notesMasterIdLst>
-    <p:notesMasterId r:id="rId17"/>
+    <p:notesMasterId r:id="rId23"/>
   </p:notesMasterIdLst>
   <p:handoutMasterIdLst>
-    <p:handoutMasterId r:id="rId18"/>
+    <p:handoutMasterId r:id="rId24"/>
   </p:handoutMasterIdLst>
   <p:sldIdLst>
     <p:sldId id="256" r:id="rId3"/>
@@ -22,9 +22,15 @@
     <p:sldId id="263" r:id="rId11"/>
     <p:sldId id="268" r:id="rId12"/>
     <p:sldId id="269" r:id="rId13"/>
-    <p:sldId id="270" r:id="rId14"/>
-    <p:sldId id="271" r:id="rId15"/>
-    <p:sldId id="272" r:id="rId16"/>
+    <p:sldId id="272" r:id="rId14"/>
+    <p:sldId id="270" r:id="rId15"/>
+    <p:sldId id="271" r:id="rId16"/>
+    <p:sldId id="286" r:id="rId17"/>
+    <p:sldId id="287" r:id="rId18"/>
+    <p:sldId id="288" r:id="rId19"/>
+    <p:sldId id="289" r:id="rId20"/>
+    <p:sldId id="290" r:id="rId21"/>
+    <p:sldId id="291" r:id="rId22"/>
   </p:sldIdLst>
   <p:sldSz cx="12192000" cy="6858000"/>
   <p:notesSz cx="7103745" cy="10234295"/>
@@ -5596,7 +5602,7 @@
           </a:bodyPr>
           <a:p>
             <a:r>
-              <a:rPr lang="" altLang="en-US" sz="6000" b="1">
+              <a:rPr lang="en-US" altLang="en-US" sz="6000" b="1">
                 <a:solidFill>
                   <a:srgbClr val="2C3E50"/>
                 </a:solidFill>
@@ -5638,7 +5644,7 @@
         <p:spPr>
           <a:xfrm>
             <a:off x="570865" y="447675"/>
-            <a:ext cx="4942205" cy="521970"/>
+            <a:ext cx="3205480" cy="521970"/>
           </a:xfrm>
           <a:prstGeom prst="rect">
             <a:avLst/>
@@ -5652,22 +5658,30 @@
           <a:p>
             <a:pPr algn="l"/>
             <a:r>
+              <a:rPr lang="en-US" altLang="en-US" sz="2800" b="1">
+                <a:solidFill>
+                  <a:srgbClr val="2C3E50"/>
+                </a:solidFill>
+              </a:rPr>
+              <a:t>perf / </a:t>
+            </a:r>
+            <a:r>
               <a:rPr lang="" altLang="en-US" sz="2800" b="1">
                 <a:solidFill>
                   <a:srgbClr val="2C3E50"/>
                 </a:solidFill>
               </a:rPr>
-              <a:t>perf</a:t>
-            </a:r>
-            <a:r>
-              <a:rPr lang="en-US" altLang="en-US" sz="2800" b="1">
-                <a:solidFill>
-                  <a:srgbClr val="2C3E50"/>
-                </a:solidFill>
-              </a:rPr>
-              <a:t> / tracepoint events</a:t>
-            </a:r>
-            <a:endParaRPr lang="" altLang="en-US" sz="2800" b="1">
+              <a:t>OPEN</a:t>
+            </a:r>
+            <a:r>
+              <a:rPr lang="zh-CN" altLang="" sz="2800" b="1">
+                <a:solidFill>
+                  <a:srgbClr val="2C3E50"/>
+                </a:solidFill>
+              </a:rPr>
+              <a:t>过程</a:t>
+            </a:r>
+            <a:endParaRPr lang="zh-CN" altLang="" sz="2800" b="1">
               <a:solidFill>
                 <a:srgbClr val="2C3E50"/>
               </a:solidFill>
@@ -5677,16 +5691,54 @@
       </p:sp>
       <p:sp>
         <p:nvSpPr>
-          <p:cNvPr id="3" name="Rectangle 2"/>
+          <p:cNvPr id="2" name="Text Box 1"/>
+          <p:cNvSpPr txBox="true"/>
+          <p:nvPr/>
+        </p:nvSpPr>
+        <p:spPr>
+          <a:xfrm>
+            <a:off x="1392555" y="1393190"/>
+            <a:ext cx="3023870" cy="460375"/>
+          </a:xfrm>
+          <a:prstGeom prst="rect">
+            <a:avLst/>
+          </a:prstGeom>
+          <a:noFill/>
+        </p:spPr>
+        <p:txBody>
+          <a:bodyPr wrap="none" rtlCol="0">
+            <a:spAutoFit/>
+          </a:bodyPr>
+          <a:p>
+            <a:pPr algn="l"/>
+            <a:r>
+              <a:rPr lang="en-US" sz="2400" b="1">
+                <a:solidFill>
+                  <a:srgbClr val="2C3E50"/>
+                </a:solidFill>
+              </a:rPr>
+              <a:t>perf_event_open</a:t>
+            </a:r>
+            <a:endParaRPr lang="en-US" sz="2400" b="1">
+              <a:solidFill>
+                <a:srgbClr val="2C3E50"/>
+              </a:solidFill>
+            </a:endParaRPr>
+          </a:p>
+        </p:txBody>
+      </p:sp>
+      <p:sp>
+        <p:nvSpPr>
+          <p:cNvPr id="28" name="Snip Single Corner Rectangle 27"/>
           <p:cNvSpPr/>
           <p:nvPr/>
         </p:nvSpPr>
         <p:spPr>
           <a:xfrm>
-            <a:off x="9079865" y="847090"/>
-            <a:ext cx="1845310" cy="1508760"/>
-          </a:xfrm>
-          <a:prstGeom prst="rect">
+            <a:off x="2185035" y="2366645"/>
+            <a:ext cx="1356360" cy="359410"/>
+          </a:xfrm>
+          <a:prstGeom prst="snip1Rect">
             <a:avLst/>
           </a:prstGeom>
           <a:noFill/>
@@ -5699,7 +5751,7 @@
             <a:ext uri="{909E8E84-426E-40DD-AFC4-6F175D3DCCD1}">
               <a14:hiddenFill xmlns:a14="http://schemas.microsoft.com/office/drawing/2010/main">
                 <a:solidFill>
-                  <a:srgbClr val="2C3E50"/>
+                  <a:schemeClr val="accent1"/>
                 </a:solidFill>
               </a14:hiddenFill>
             </a:ext>
@@ -5726,6 +5778,1182 @@
           <a:p>
             <a:pPr algn="ctr"/>
             <a:r>
+              <a:rPr lang="" altLang="en-US" sz="1400" b="1">
+                <a:solidFill>
+                  <a:srgbClr val="2C3E50"/>
+                </a:solidFill>
+              </a:rPr>
+              <a:t>perf_event</a:t>
+            </a:r>
+            <a:endParaRPr lang="" altLang="en-US" sz="1400" b="1">
+              <a:solidFill>
+                <a:srgbClr val="2C3E50"/>
+              </a:solidFill>
+            </a:endParaRPr>
+          </a:p>
+        </p:txBody>
+      </p:sp>
+      <p:sp>
+        <p:nvSpPr>
+          <p:cNvPr id="5" name="Rectangle 4"/>
+          <p:cNvSpPr/>
+          <p:nvPr/>
+        </p:nvSpPr>
+        <p:spPr>
+          <a:xfrm>
+            <a:off x="6947535" y="2226945"/>
+            <a:ext cx="1666240" cy="681990"/>
+          </a:xfrm>
+          <a:prstGeom prst="rect">
+            <a:avLst/>
+          </a:prstGeom>
+          <a:noFill/>
+          <a:ln w="38100">
+            <a:solidFill>
+              <a:srgbClr val="2C3E50"/>
+            </a:solidFill>
+          </a:ln>
+          <a:extLst>
+            <a:ext uri="{909E8E84-426E-40DD-AFC4-6F175D3DCCD1}">
+              <a14:hiddenFill xmlns:a14="http://schemas.microsoft.com/office/drawing/2010/main">
+                <a:solidFill>
+                  <a:schemeClr val="accent1"/>
+                </a:solidFill>
+              </a14:hiddenFill>
+            </a:ext>
+          </a:extLst>
+        </p:spPr>
+        <p:style>
+          <a:lnRef idx="2">
+            <a:schemeClr val="accent1">
+              <a:shade val="50000"/>
+            </a:schemeClr>
+          </a:lnRef>
+          <a:fillRef idx="1">
+            <a:schemeClr val="accent1"/>
+          </a:fillRef>
+          <a:effectRef idx="0">
+            <a:schemeClr val="accent1"/>
+          </a:effectRef>
+          <a:fontRef idx="minor">
+            <a:schemeClr val="lt1"/>
+          </a:fontRef>
+        </p:style>
+        <p:txBody>
+          <a:bodyPr rtlCol="0" anchor="ctr"/>
+          <a:p>
+            <a:pPr algn="ctr"/>
+            <a:r>
+              <a:rPr lang="" altLang="en-US" b="1">
+                <a:solidFill>
+                  <a:srgbClr val="2C3E50"/>
+                </a:solidFill>
+              </a:rPr>
+              <a:t>PMU</a:t>
+            </a:r>
+            <a:endParaRPr lang="" altLang="en-US" b="1">
+              <a:solidFill>
+                <a:srgbClr val="2C3E50"/>
+              </a:solidFill>
+            </a:endParaRPr>
+          </a:p>
+        </p:txBody>
+      </p:sp>
+      <p:sp>
+        <p:nvSpPr>
+          <p:cNvPr id="7" name="Text Box 6"/>
+          <p:cNvSpPr txBox="true"/>
+          <p:nvPr/>
+        </p:nvSpPr>
+        <p:spPr>
+          <a:xfrm>
+            <a:off x="1399540" y="2357755"/>
+            <a:ext cx="785495" cy="368300"/>
+          </a:xfrm>
+          <a:prstGeom prst="rect">
+            <a:avLst/>
+          </a:prstGeom>
+          <a:noFill/>
+        </p:spPr>
+        <p:txBody>
+          <a:bodyPr wrap="none" rtlCol="0">
+            <a:spAutoFit/>
+          </a:bodyPr>
+          <a:p>
+            <a:pPr algn="l"/>
+            <a:r>
+              <a:rPr lang="" altLang="en-US" b="1">
+                <a:solidFill>
+                  <a:srgbClr val="2C3E50"/>
+                </a:solidFill>
+              </a:rPr>
+              <a:t>alloc</a:t>
+            </a:r>
+            <a:endParaRPr lang="" altLang="en-US" b="1">
+              <a:solidFill>
+                <a:srgbClr val="2C3E50"/>
+              </a:solidFill>
+            </a:endParaRPr>
+          </a:p>
+        </p:txBody>
+      </p:sp>
+      <p:sp>
+        <p:nvSpPr>
+          <p:cNvPr id="8" name="Rectangle 7"/>
+          <p:cNvSpPr/>
+          <p:nvPr/>
+        </p:nvSpPr>
+        <p:spPr>
+          <a:xfrm>
+            <a:off x="6947535" y="3228975"/>
+            <a:ext cx="1666240" cy="681990"/>
+          </a:xfrm>
+          <a:prstGeom prst="rect">
+            <a:avLst/>
+          </a:prstGeom>
+          <a:noFill/>
+          <a:ln w="38100">
+            <a:solidFill>
+              <a:srgbClr val="2C3E50"/>
+            </a:solidFill>
+          </a:ln>
+          <a:extLst>
+            <a:ext uri="{909E8E84-426E-40DD-AFC4-6F175D3DCCD1}">
+              <a14:hiddenFill xmlns:a14="http://schemas.microsoft.com/office/drawing/2010/main">
+                <a:solidFill>
+                  <a:schemeClr val="accent1"/>
+                </a:solidFill>
+              </a14:hiddenFill>
+            </a:ext>
+          </a:extLst>
+        </p:spPr>
+        <p:style>
+          <a:lnRef idx="2">
+            <a:schemeClr val="accent1">
+              <a:shade val="50000"/>
+            </a:schemeClr>
+          </a:lnRef>
+          <a:fillRef idx="1">
+            <a:schemeClr val="accent1"/>
+          </a:fillRef>
+          <a:effectRef idx="0">
+            <a:schemeClr val="accent1"/>
+          </a:effectRef>
+          <a:fontRef idx="minor">
+            <a:schemeClr val="lt1"/>
+          </a:fontRef>
+        </p:style>
+        <p:txBody>
+          <a:bodyPr rtlCol="0" anchor="ctr"/>
+          <a:p>
+            <a:pPr algn="ctr"/>
+            <a:r>
+              <a:rPr lang="" altLang="en-US" b="1">
+                <a:solidFill>
+                  <a:srgbClr val="2C3E50"/>
+                </a:solidFill>
+              </a:rPr>
+              <a:t>process</a:t>
+            </a:r>
+            <a:endParaRPr lang="" altLang="en-US" b="1">
+              <a:solidFill>
+                <a:srgbClr val="2C3E50"/>
+              </a:solidFill>
+            </a:endParaRPr>
+          </a:p>
+          <a:p>
+            <a:pPr algn="ctr"/>
+            <a:r>
+              <a:rPr lang="" altLang="en-US" b="1">
+                <a:solidFill>
+                  <a:srgbClr val="2C3E50"/>
+                </a:solidFill>
+              </a:rPr>
+              <a:t>.</a:t>
+            </a:r>
+            <a:r>
+              <a:rPr lang="" altLang="en-US" sz="1000" b="1">
+                <a:solidFill>
+                  <a:srgbClr val="2C3E50"/>
+                </a:solidFill>
+              </a:rPr>
+              <a:t>perf_event_context</a:t>
+            </a:r>
+            <a:endParaRPr lang="" altLang="en-US" sz="1000" b="1">
+              <a:solidFill>
+                <a:srgbClr val="2C3E50"/>
+              </a:solidFill>
+            </a:endParaRPr>
+          </a:p>
+        </p:txBody>
+      </p:sp>
+      <p:sp>
+        <p:nvSpPr>
+          <p:cNvPr id="9" name="Rectangle 8"/>
+          <p:cNvSpPr/>
+          <p:nvPr/>
+        </p:nvSpPr>
+        <p:spPr>
+          <a:xfrm>
+            <a:off x="6947535" y="4066540"/>
+            <a:ext cx="1666240" cy="681990"/>
+          </a:xfrm>
+          <a:prstGeom prst="rect">
+            <a:avLst/>
+          </a:prstGeom>
+          <a:noFill/>
+          <a:ln w="38100">
+            <a:solidFill>
+              <a:srgbClr val="2C3E50"/>
+            </a:solidFill>
+          </a:ln>
+          <a:extLst>
+            <a:ext uri="{909E8E84-426E-40DD-AFC4-6F175D3DCCD1}">
+              <a14:hiddenFill xmlns:a14="http://schemas.microsoft.com/office/drawing/2010/main">
+                <a:solidFill>
+                  <a:schemeClr val="accent1"/>
+                </a:solidFill>
+              </a14:hiddenFill>
+            </a:ext>
+          </a:extLst>
+        </p:spPr>
+        <p:style>
+          <a:lnRef idx="2">
+            <a:schemeClr val="accent1">
+              <a:shade val="50000"/>
+            </a:schemeClr>
+          </a:lnRef>
+          <a:fillRef idx="1">
+            <a:schemeClr val="accent1"/>
+          </a:fillRef>
+          <a:effectRef idx="0">
+            <a:schemeClr val="accent1"/>
+          </a:effectRef>
+          <a:fontRef idx="minor">
+            <a:schemeClr val="lt1"/>
+          </a:fontRef>
+        </p:style>
+        <p:txBody>
+          <a:bodyPr rtlCol="0" anchor="ctr"/>
+          <a:p>
+            <a:pPr algn="ctr"/>
+            <a:r>
+              <a:rPr lang="" altLang="en-US" b="1">
+                <a:solidFill>
+                  <a:srgbClr val="2C3E50"/>
+                </a:solidFill>
+              </a:rPr>
+              <a:t>CPU</a:t>
+            </a:r>
+            <a:endParaRPr lang="" altLang="en-US" b="1">
+              <a:solidFill>
+                <a:srgbClr val="2C3E50"/>
+              </a:solidFill>
+            </a:endParaRPr>
+          </a:p>
+          <a:p>
+            <a:pPr algn="ctr"/>
+            <a:r>
+              <a:rPr lang="en-US" altLang="en-US" b="1">
+                <a:solidFill>
+                  <a:srgbClr val="2C3E50"/>
+                </a:solidFill>
+                <a:sym typeface="+mn-ea"/>
+              </a:rPr>
+              <a:t>.</a:t>
+            </a:r>
+            <a:r>
+              <a:rPr lang="en-US" altLang="en-US" sz="1000" b="1">
+                <a:solidFill>
+                  <a:srgbClr val="2C3E50"/>
+                </a:solidFill>
+                <a:sym typeface="+mn-ea"/>
+              </a:rPr>
+              <a:t>perf_event_context</a:t>
+            </a:r>
+            <a:endParaRPr lang="" altLang="en-US" b="1">
+              <a:solidFill>
+                <a:srgbClr val="2C3E50"/>
+              </a:solidFill>
+            </a:endParaRPr>
+          </a:p>
+        </p:txBody>
+      </p:sp>
+      <p:cxnSp>
+        <p:nvCxnSpPr>
+          <p:cNvPr id="6" name="Straight Arrow Connector 5"/>
+          <p:cNvCxnSpPr>
+            <a:stCxn id="28" idx="0"/>
+            <a:endCxn id="5" idx="1"/>
+          </p:cNvCxnSpPr>
+          <p:nvPr/>
+        </p:nvCxnSpPr>
+        <p:spPr>
+          <a:xfrm>
+            <a:off x="3541395" y="2546350"/>
+            <a:ext cx="3406140" cy="21590"/>
+          </a:xfrm>
+          <a:prstGeom prst="straightConnector1">
+            <a:avLst/>
+          </a:prstGeom>
+          <a:ln w="38100">
+            <a:solidFill>
+              <a:srgbClr val="3EAF7C"/>
+            </a:solidFill>
+            <a:tailEnd type="arrow"/>
+          </a:ln>
+        </p:spPr>
+        <p:style>
+          <a:lnRef idx="1">
+            <a:schemeClr val="accent1"/>
+          </a:lnRef>
+          <a:fillRef idx="0">
+            <a:schemeClr val="accent1"/>
+          </a:fillRef>
+          <a:effectRef idx="0">
+            <a:schemeClr val="accent1"/>
+          </a:effectRef>
+          <a:fontRef idx="minor">
+            <a:schemeClr val="tx1"/>
+          </a:fontRef>
+        </p:style>
+      </p:cxnSp>
+      <p:sp>
+        <p:nvSpPr>
+          <p:cNvPr id="10" name="Text Box 9"/>
+          <p:cNvSpPr txBox="true"/>
+          <p:nvPr/>
+        </p:nvSpPr>
+        <p:spPr>
+          <a:xfrm>
+            <a:off x="3776345" y="2248535"/>
+            <a:ext cx="2602865" cy="245110"/>
+          </a:xfrm>
+          <a:prstGeom prst="rect">
+            <a:avLst/>
+          </a:prstGeom>
+          <a:noFill/>
+        </p:spPr>
+        <p:txBody>
+          <a:bodyPr wrap="none" rtlCol="0">
+            <a:spAutoFit/>
+          </a:bodyPr>
+          <a:p>
+            <a:pPr algn="l"/>
+            <a:r>
+              <a:rPr lang="zh-CN" altLang="en-US" sz="1000" b="1">
+                <a:solidFill>
+                  <a:srgbClr val="2C3E50"/>
+                </a:solidFill>
+              </a:rPr>
+              <a:t>根据</a:t>
+            </a:r>
+            <a:r>
+              <a:rPr lang="" altLang="zh-CN" sz="1000" b="1">
+                <a:solidFill>
+                  <a:srgbClr val="2C3E50"/>
+                </a:solidFill>
+              </a:rPr>
+              <a:t>perf_event</a:t>
+            </a:r>
+            <a:r>
+              <a:rPr lang="zh-CN" altLang="" sz="1000" b="1">
+                <a:solidFill>
+                  <a:srgbClr val="2C3E50"/>
+                </a:solidFill>
+              </a:rPr>
+              <a:t>的</a:t>
+            </a:r>
+            <a:r>
+              <a:rPr lang="" altLang="zh-CN" sz="1000" b="1">
+                <a:solidFill>
+                  <a:srgbClr val="2C3E50"/>
+                </a:solidFill>
+              </a:rPr>
+              <a:t>type</a:t>
+            </a:r>
+            <a:r>
+              <a:rPr lang="zh-CN" altLang="" sz="1000" b="1">
+                <a:solidFill>
+                  <a:srgbClr val="2C3E50"/>
+                </a:solidFill>
+              </a:rPr>
+              <a:t>找到对应的</a:t>
+            </a:r>
+            <a:r>
+              <a:rPr lang="" altLang="zh-CN" sz="1000" b="1">
+                <a:solidFill>
+                  <a:srgbClr val="2C3E50"/>
+                </a:solidFill>
+              </a:rPr>
+              <a:t>pmu</a:t>
+            </a:r>
+            <a:endParaRPr lang="" altLang="zh-CN" sz="1000" b="1">
+              <a:solidFill>
+                <a:srgbClr val="2C3E50"/>
+              </a:solidFill>
+            </a:endParaRPr>
+          </a:p>
+        </p:txBody>
+      </p:sp>
+      <p:sp>
+        <p:nvSpPr>
+          <p:cNvPr id="12" name="Snip Single Corner Rectangle 11"/>
+          <p:cNvSpPr/>
+          <p:nvPr/>
+        </p:nvSpPr>
+        <p:spPr>
+          <a:xfrm>
+            <a:off x="1567180" y="3834765"/>
+            <a:ext cx="1356360" cy="359410"/>
+          </a:xfrm>
+          <a:prstGeom prst="snip1Rect">
+            <a:avLst/>
+          </a:prstGeom>
+          <a:noFill/>
+          <a:ln w="38100">
+            <a:solidFill>
+              <a:srgbClr val="2C3E50"/>
+            </a:solidFill>
+          </a:ln>
+          <a:extLst>
+            <a:ext uri="{909E8E84-426E-40DD-AFC4-6F175D3DCCD1}">
+              <a14:hiddenFill xmlns:a14="http://schemas.microsoft.com/office/drawing/2010/main">
+                <a:solidFill>
+                  <a:schemeClr val="accent1"/>
+                </a:solidFill>
+              </a14:hiddenFill>
+            </a:ext>
+          </a:extLst>
+        </p:spPr>
+        <p:style>
+          <a:lnRef idx="2">
+            <a:schemeClr val="accent1">
+              <a:shade val="50000"/>
+            </a:schemeClr>
+          </a:lnRef>
+          <a:fillRef idx="1">
+            <a:schemeClr val="accent1"/>
+          </a:fillRef>
+          <a:effectRef idx="0">
+            <a:schemeClr val="accent1"/>
+          </a:effectRef>
+          <a:fontRef idx="minor">
+            <a:schemeClr val="lt1"/>
+          </a:fontRef>
+        </p:style>
+        <p:txBody>
+          <a:bodyPr rtlCol="0" anchor="ctr"/>
+          <a:p>
+            <a:pPr algn="ctr"/>
+            <a:r>
+              <a:rPr lang="en-US" altLang="en-US" sz="1400" b="1">
+                <a:solidFill>
+                  <a:srgbClr val="2C3E50"/>
+                </a:solidFill>
+              </a:rPr>
+              <a:t>perf_event</a:t>
+            </a:r>
+            <a:endParaRPr lang="en-US" altLang="en-US" sz="1400" b="1">
+              <a:solidFill>
+                <a:srgbClr val="2C3E50"/>
+              </a:solidFill>
+            </a:endParaRPr>
+          </a:p>
+        </p:txBody>
+      </p:sp>
+      <p:sp>
+        <p:nvSpPr>
+          <p:cNvPr id="13" name="Diamond 12"/>
+          <p:cNvSpPr/>
+          <p:nvPr/>
+        </p:nvSpPr>
+        <p:spPr>
+          <a:xfrm>
+            <a:off x="4949190" y="3806825"/>
+            <a:ext cx="1703070" cy="414655"/>
+          </a:xfrm>
+          <a:prstGeom prst="diamond">
+            <a:avLst/>
+          </a:prstGeom>
+          <a:noFill/>
+          <a:ln w="38100">
+            <a:solidFill>
+              <a:srgbClr val="2C3E50"/>
+            </a:solidFill>
+          </a:ln>
+          <a:extLst>
+            <a:ext uri="{909E8E84-426E-40DD-AFC4-6F175D3DCCD1}">
+              <a14:hiddenFill xmlns:a14="http://schemas.microsoft.com/office/drawing/2010/main">
+                <a:solidFill>
+                  <a:schemeClr val="accent1"/>
+                </a:solidFill>
+              </a14:hiddenFill>
+            </a:ext>
+          </a:extLst>
+        </p:spPr>
+        <p:style>
+          <a:lnRef idx="2">
+            <a:schemeClr val="accent1">
+              <a:shade val="50000"/>
+            </a:schemeClr>
+          </a:lnRef>
+          <a:fillRef idx="1">
+            <a:schemeClr val="accent1"/>
+          </a:fillRef>
+          <a:effectRef idx="0">
+            <a:schemeClr val="accent1"/>
+          </a:effectRef>
+          <a:fontRef idx="minor">
+            <a:schemeClr val="lt1"/>
+          </a:fontRef>
+        </p:style>
+        <p:txBody>
+          <a:bodyPr rtlCol="0" anchor="ctr"/>
+          <a:p>
+            <a:pPr algn="ctr"/>
+            <a:r>
+              <a:rPr lang="" altLang="en-US" sz="1000" b="1">
+                <a:solidFill>
+                  <a:srgbClr val="2C3E50"/>
+                </a:solidFill>
+              </a:rPr>
+              <a:t>pid &gt;= 0</a:t>
+            </a:r>
+            <a:endParaRPr lang="" altLang="en-US" sz="1000" b="1">
+              <a:solidFill>
+                <a:srgbClr val="2C3E50"/>
+              </a:solidFill>
+            </a:endParaRPr>
+          </a:p>
+        </p:txBody>
+      </p:sp>
+      <p:cxnSp>
+        <p:nvCxnSpPr>
+          <p:cNvPr id="14" name="Elbow Connector 13"/>
+          <p:cNvCxnSpPr>
+            <a:stCxn id="13" idx="0"/>
+            <a:endCxn id="8" idx="1"/>
+          </p:cNvCxnSpPr>
+          <p:nvPr/>
+        </p:nvCxnSpPr>
+        <p:spPr>
+          <a:xfrm rot="16200000">
+            <a:off x="6255703" y="3114993"/>
+            <a:ext cx="236855" cy="1146810"/>
+          </a:xfrm>
+          <a:prstGeom prst="bentConnector2">
+            <a:avLst/>
+          </a:prstGeom>
+          <a:ln w="38100">
+            <a:solidFill>
+              <a:srgbClr val="3EAF7C"/>
+            </a:solidFill>
+            <a:tailEnd type="arrow"/>
+          </a:ln>
+        </p:spPr>
+        <p:style>
+          <a:lnRef idx="1">
+            <a:schemeClr val="accent1"/>
+          </a:lnRef>
+          <a:fillRef idx="0">
+            <a:schemeClr val="accent1"/>
+          </a:fillRef>
+          <a:effectRef idx="0">
+            <a:schemeClr val="accent1"/>
+          </a:effectRef>
+          <a:fontRef idx="minor">
+            <a:schemeClr val="tx1"/>
+          </a:fontRef>
+        </p:style>
+      </p:cxnSp>
+      <p:cxnSp>
+        <p:nvCxnSpPr>
+          <p:cNvPr id="15" name="Elbow Connector 14"/>
+          <p:cNvCxnSpPr>
+            <a:stCxn id="13" idx="2"/>
+            <a:endCxn id="9" idx="1"/>
+          </p:cNvCxnSpPr>
+          <p:nvPr/>
+        </p:nvCxnSpPr>
+        <p:spPr>
+          <a:xfrm rot="5400000" flipV="true">
+            <a:off x="6281103" y="3741103"/>
+            <a:ext cx="186055" cy="1146810"/>
+          </a:xfrm>
+          <a:prstGeom prst="bentConnector2">
+            <a:avLst/>
+          </a:prstGeom>
+          <a:ln w="38100">
+            <a:solidFill>
+              <a:srgbClr val="3EAF7C"/>
+            </a:solidFill>
+            <a:tailEnd type="arrow"/>
+          </a:ln>
+        </p:spPr>
+        <p:style>
+          <a:lnRef idx="1">
+            <a:schemeClr val="accent1"/>
+          </a:lnRef>
+          <a:fillRef idx="0">
+            <a:schemeClr val="accent1"/>
+          </a:fillRef>
+          <a:effectRef idx="0">
+            <a:schemeClr val="accent1"/>
+          </a:effectRef>
+          <a:fontRef idx="minor">
+            <a:schemeClr val="tx1"/>
+          </a:fontRef>
+        </p:style>
+      </p:cxnSp>
+      <p:cxnSp>
+        <p:nvCxnSpPr>
+          <p:cNvPr id="16" name="Straight Arrow Connector 15"/>
+          <p:cNvCxnSpPr>
+            <a:stCxn id="12" idx="0"/>
+            <a:endCxn id="13" idx="1"/>
+          </p:cNvCxnSpPr>
+          <p:nvPr/>
+        </p:nvCxnSpPr>
+        <p:spPr>
+          <a:xfrm>
+            <a:off x="2923540" y="4014470"/>
+            <a:ext cx="2025650" cy="0"/>
+          </a:xfrm>
+          <a:prstGeom prst="straightConnector1">
+            <a:avLst/>
+          </a:prstGeom>
+          <a:ln w="38100">
+            <a:solidFill>
+              <a:srgbClr val="3EAF7C"/>
+            </a:solidFill>
+            <a:tailEnd type="arrow"/>
+          </a:ln>
+        </p:spPr>
+        <p:style>
+          <a:lnRef idx="1">
+            <a:schemeClr val="accent1"/>
+          </a:lnRef>
+          <a:fillRef idx="0">
+            <a:schemeClr val="accent1"/>
+          </a:fillRef>
+          <a:effectRef idx="0">
+            <a:schemeClr val="accent1"/>
+          </a:effectRef>
+          <a:fontRef idx="minor">
+            <a:schemeClr val="tx1"/>
+          </a:fontRef>
+        </p:style>
+      </p:cxnSp>
+      <p:sp>
+        <p:nvSpPr>
+          <p:cNvPr id="17" name="Text Box 16"/>
+          <p:cNvSpPr txBox="true"/>
+          <p:nvPr/>
+        </p:nvSpPr>
+        <p:spPr>
+          <a:xfrm>
+            <a:off x="3074035" y="3569970"/>
+            <a:ext cx="1809750" cy="398780"/>
+          </a:xfrm>
+          <a:prstGeom prst="rect">
+            <a:avLst/>
+          </a:prstGeom>
+          <a:noFill/>
+        </p:spPr>
+        <p:txBody>
+          <a:bodyPr wrap="none" rtlCol="0">
+            <a:spAutoFit/>
+          </a:bodyPr>
+          <a:p>
+            <a:pPr algn="l"/>
+            <a:r>
+              <a:rPr lang="zh-CN" altLang="en-US" sz="1000" b="1">
+                <a:solidFill>
+                  <a:srgbClr val="2C3E50"/>
+                </a:solidFill>
+                <a:sym typeface="+mn-ea"/>
+              </a:rPr>
+              <a:t>根据</a:t>
+            </a:r>
+            <a:r>
+              <a:rPr lang="" altLang="zh-CN" sz="1000" b="1">
+                <a:solidFill>
+                  <a:srgbClr val="2C3E50"/>
+                </a:solidFill>
+                <a:sym typeface="+mn-ea"/>
+              </a:rPr>
+              <a:t>open</a:t>
+            </a:r>
+            <a:r>
+              <a:rPr lang="zh-CN" altLang="" sz="1000" b="1">
+                <a:solidFill>
+                  <a:srgbClr val="2C3E50"/>
+                </a:solidFill>
+                <a:sym typeface="+mn-ea"/>
+              </a:rPr>
+              <a:t>时传入的</a:t>
+            </a:r>
+            <a:r>
+              <a:rPr lang="" altLang="zh-CN" sz="1000" b="1">
+                <a:solidFill>
+                  <a:srgbClr val="2C3E50"/>
+                </a:solidFill>
+                <a:sym typeface="+mn-ea"/>
+              </a:rPr>
+              <a:t>pid,</a:t>
+            </a:r>
+            <a:endParaRPr lang="" altLang="zh-CN" sz="1000" b="1">
+              <a:solidFill>
+                <a:srgbClr val="2C3E50"/>
+              </a:solidFill>
+              <a:sym typeface="+mn-ea"/>
+            </a:endParaRPr>
+          </a:p>
+          <a:p>
+            <a:pPr algn="l"/>
+            <a:r>
+              <a:rPr lang="zh-CN" altLang="en-US" sz="1000" b="1">
+                <a:solidFill>
+                  <a:srgbClr val="2C3E50"/>
+                </a:solidFill>
+                <a:sym typeface="+mn-ea"/>
+              </a:rPr>
+              <a:t>获取</a:t>
+            </a:r>
+            <a:r>
+              <a:rPr lang="en-US" altLang="en-US" sz="1000" b="1">
+                <a:solidFill>
+                  <a:srgbClr val="2C3E50"/>
+                </a:solidFill>
+                <a:sym typeface="+mn-ea"/>
+              </a:rPr>
+              <a:t>perf_event_context</a:t>
+            </a:r>
+            <a:endParaRPr lang="en-US" altLang="zh-CN" sz="1000" b="1">
+              <a:solidFill>
+                <a:srgbClr val="2C3E50"/>
+              </a:solidFill>
+            </a:endParaRPr>
+          </a:p>
+        </p:txBody>
+      </p:sp>
+      <p:sp>
+        <p:nvSpPr>
+          <p:cNvPr id="19" name="Text Box 18"/>
+          <p:cNvSpPr txBox="true"/>
+          <p:nvPr/>
+        </p:nvSpPr>
+        <p:spPr>
+          <a:xfrm>
+            <a:off x="6136005" y="4466590"/>
+            <a:ext cx="374015" cy="368300"/>
+          </a:xfrm>
+          <a:prstGeom prst="rect">
+            <a:avLst/>
+          </a:prstGeom>
+          <a:noFill/>
+        </p:spPr>
+        <p:txBody>
+          <a:bodyPr wrap="none" rtlCol="0">
+            <a:spAutoFit/>
+          </a:bodyPr>
+          <a:p>
+            <a:r>
+              <a:rPr lang="" altLang="en-US" b="1">
+                <a:solidFill>
+                  <a:srgbClr val="2C3E50"/>
+                </a:solidFill>
+              </a:rPr>
+              <a:t>N</a:t>
+            </a:r>
+            <a:endParaRPr lang="" altLang="en-US" b="1">
+              <a:solidFill>
+                <a:srgbClr val="2C3E50"/>
+              </a:solidFill>
+            </a:endParaRPr>
+          </a:p>
+        </p:txBody>
+      </p:sp>
+      <p:sp>
+        <p:nvSpPr>
+          <p:cNvPr id="20" name="Text Box 19"/>
+          <p:cNvSpPr txBox="true"/>
+          <p:nvPr/>
+        </p:nvSpPr>
+        <p:spPr>
+          <a:xfrm>
+            <a:off x="6136005" y="3173095"/>
+            <a:ext cx="348615" cy="368300"/>
+          </a:xfrm>
+          <a:prstGeom prst="rect">
+            <a:avLst/>
+          </a:prstGeom>
+          <a:noFill/>
+        </p:spPr>
+        <p:txBody>
+          <a:bodyPr wrap="none" rtlCol="0">
+            <a:spAutoFit/>
+          </a:bodyPr>
+          <a:p>
+            <a:r>
+              <a:rPr lang="" altLang="en-US" b="1">
+                <a:solidFill>
+                  <a:srgbClr val="2C3E50"/>
+                </a:solidFill>
+              </a:rPr>
+              <a:t>Y</a:t>
+            </a:r>
+            <a:endParaRPr lang="" altLang="en-US" b="1">
+              <a:solidFill>
+                <a:srgbClr val="2C3E50"/>
+              </a:solidFill>
+            </a:endParaRPr>
+          </a:p>
+        </p:txBody>
+      </p:sp>
+      <p:sp>
+        <p:nvSpPr>
+          <p:cNvPr id="21" name="Text Box 20"/>
+          <p:cNvSpPr txBox="true"/>
+          <p:nvPr/>
+        </p:nvSpPr>
+        <p:spPr>
+          <a:xfrm>
+            <a:off x="1567180" y="5098415"/>
+            <a:ext cx="2364105" cy="275590"/>
+          </a:xfrm>
+          <a:prstGeom prst="rect">
+            <a:avLst/>
+          </a:prstGeom>
+          <a:noFill/>
+        </p:spPr>
+        <p:txBody>
+          <a:bodyPr wrap="none" rtlCol="0">
+            <a:spAutoFit/>
+          </a:bodyPr>
+          <a:p>
+            <a:pPr algn="l"/>
+            <a:r>
+              <a:rPr lang="zh-CN" altLang="en-US" sz="1200" b="1">
+                <a:solidFill>
+                  <a:srgbClr val="2C3E50"/>
+                </a:solidFill>
+              </a:rPr>
+              <a:t>把</a:t>
+            </a:r>
+            <a:r>
+              <a:rPr lang="" altLang="zh-CN" sz="1200" b="1">
+                <a:solidFill>
+                  <a:srgbClr val="2C3E50"/>
+                </a:solidFill>
+              </a:rPr>
+              <a:t>perf_</a:t>
+            </a:r>
+            <a:r>
+              <a:rPr lang="en-US" altLang="en-US" sz="1200" b="1">
+                <a:solidFill>
+                  <a:srgbClr val="2C3E50"/>
+                </a:solidFill>
+              </a:rPr>
+              <a:t>event安装到context</a:t>
+            </a:r>
+            <a:endParaRPr lang="en-US" altLang="en-US" sz="1200" b="1">
+              <a:solidFill>
+                <a:srgbClr val="2C3E50"/>
+              </a:solidFill>
+            </a:endParaRPr>
+          </a:p>
+        </p:txBody>
+      </p:sp>
+      <p:sp>
+        <p:nvSpPr>
+          <p:cNvPr id="22" name="Text Box 21"/>
+          <p:cNvSpPr txBox="true"/>
+          <p:nvPr/>
+        </p:nvSpPr>
+        <p:spPr>
+          <a:xfrm>
+            <a:off x="1492885" y="5760720"/>
+            <a:ext cx="5497195" cy="275590"/>
+          </a:xfrm>
+          <a:prstGeom prst="rect">
+            <a:avLst/>
+          </a:prstGeom>
+          <a:noFill/>
+        </p:spPr>
+        <p:txBody>
+          <a:bodyPr wrap="square" rtlCol="0" anchor="t">
+            <a:spAutoFit/>
+          </a:bodyPr>
+          <a:p>
+            <a:r>
+              <a:rPr lang="en-US" sz="1200" b="1">
+                <a:solidFill>
+                  <a:srgbClr val="2C3E50"/>
+                </a:solidFill>
+              </a:rPr>
+              <a:t>调用pmu-&gt;event_init(event)来初始化event</a:t>
+            </a:r>
+            <a:endParaRPr lang="en-US" sz="1200" b="1">
+              <a:solidFill>
+                <a:srgbClr val="2C3E50"/>
+              </a:solidFill>
+            </a:endParaRPr>
+          </a:p>
+        </p:txBody>
+      </p:sp>
+      <p:cxnSp>
+        <p:nvCxnSpPr>
+          <p:cNvPr id="23" name="Straight Arrow Connector 22"/>
+          <p:cNvCxnSpPr/>
+          <p:nvPr/>
+        </p:nvCxnSpPr>
+        <p:spPr>
+          <a:xfrm>
+            <a:off x="2173605" y="1910715"/>
+            <a:ext cx="0" cy="337820"/>
+          </a:xfrm>
+          <a:prstGeom prst="straightConnector1">
+            <a:avLst/>
+          </a:prstGeom>
+          <a:ln w="38100">
+            <a:solidFill>
+              <a:srgbClr val="3EAF7C"/>
+            </a:solidFill>
+            <a:tailEnd type="arrow"/>
+          </a:ln>
+        </p:spPr>
+        <p:style>
+          <a:lnRef idx="1">
+            <a:schemeClr val="accent1"/>
+          </a:lnRef>
+          <a:fillRef idx="0">
+            <a:schemeClr val="accent1"/>
+          </a:fillRef>
+          <a:effectRef idx="0">
+            <a:schemeClr val="accent1"/>
+          </a:effectRef>
+          <a:fontRef idx="minor">
+            <a:schemeClr val="tx1"/>
+          </a:fontRef>
+        </p:style>
+      </p:cxnSp>
+      <p:cxnSp>
+        <p:nvCxnSpPr>
+          <p:cNvPr id="24" name="Straight Arrow Connector 23"/>
+          <p:cNvCxnSpPr/>
+          <p:nvPr/>
+        </p:nvCxnSpPr>
+        <p:spPr>
+          <a:xfrm>
+            <a:off x="2185035" y="3203575"/>
+            <a:ext cx="0" cy="337820"/>
+          </a:xfrm>
+          <a:prstGeom prst="straightConnector1">
+            <a:avLst/>
+          </a:prstGeom>
+          <a:ln w="38100">
+            <a:solidFill>
+              <a:srgbClr val="3EAF7C"/>
+            </a:solidFill>
+            <a:tailEnd type="arrow"/>
+          </a:ln>
+        </p:spPr>
+        <p:style>
+          <a:lnRef idx="1">
+            <a:schemeClr val="accent1"/>
+          </a:lnRef>
+          <a:fillRef idx="0">
+            <a:schemeClr val="accent1"/>
+          </a:fillRef>
+          <a:effectRef idx="0">
+            <a:schemeClr val="accent1"/>
+          </a:effectRef>
+          <a:fontRef idx="minor">
+            <a:schemeClr val="tx1"/>
+          </a:fontRef>
+        </p:style>
+      </p:cxnSp>
+      <p:cxnSp>
+        <p:nvCxnSpPr>
+          <p:cNvPr id="25" name="Straight Arrow Connector 24"/>
+          <p:cNvCxnSpPr/>
+          <p:nvPr/>
+        </p:nvCxnSpPr>
+        <p:spPr>
+          <a:xfrm>
+            <a:off x="2173605" y="4497070"/>
+            <a:ext cx="0" cy="337820"/>
+          </a:xfrm>
+          <a:prstGeom prst="straightConnector1">
+            <a:avLst/>
+          </a:prstGeom>
+          <a:ln w="38100">
+            <a:solidFill>
+              <a:srgbClr val="3EAF7C"/>
+            </a:solidFill>
+            <a:tailEnd type="arrow"/>
+          </a:ln>
+        </p:spPr>
+        <p:style>
+          <a:lnRef idx="1">
+            <a:schemeClr val="accent1"/>
+          </a:lnRef>
+          <a:fillRef idx="0">
+            <a:schemeClr val="accent1"/>
+          </a:fillRef>
+          <a:effectRef idx="0">
+            <a:schemeClr val="accent1"/>
+          </a:effectRef>
+          <a:fontRef idx="minor">
+            <a:schemeClr val="tx1"/>
+          </a:fontRef>
+        </p:style>
+      </p:cxnSp>
+      <p:cxnSp>
+        <p:nvCxnSpPr>
+          <p:cNvPr id="26" name="Straight Arrow Connector 25"/>
+          <p:cNvCxnSpPr/>
+          <p:nvPr/>
+        </p:nvCxnSpPr>
+        <p:spPr>
+          <a:xfrm>
+            <a:off x="2173605" y="5422900"/>
+            <a:ext cx="0" cy="337820"/>
+          </a:xfrm>
+          <a:prstGeom prst="straightConnector1">
+            <a:avLst/>
+          </a:prstGeom>
+          <a:ln w="38100">
+            <a:solidFill>
+              <a:srgbClr val="3EAF7C"/>
+            </a:solidFill>
+            <a:tailEnd type="arrow"/>
+          </a:ln>
+        </p:spPr>
+        <p:style>
+          <a:lnRef idx="1">
+            <a:schemeClr val="accent1"/>
+          </a:lnRef>
+          <a:fillRef idx="0">
+            <a:schemeClr val="accent1"/>
+          </a:fillRef>
+          <a:effectRef idx="0">
+            <a:schemeClr val="accent1"/>
+          </a:effectRef>
+          <a:fontRef idx="minor">
+            <a:schemeClr val="tx1"/>
+          </a:fontRef>
+        </p:style>
+      </p:cxnSp>
+    </p:spTree>
+  </p:cSld>
+  <p:clrMapOvr>
+    <a:masterClrMapping/>
+  </p:clrMapOvr>
+</p:sld>
+</file>
+
+<file path=ppt/slides/slide13.xml><?xml version="1.0" encoding="utf-8"?>
+<p:sld xmlns:a="http://schemas.openxmlformats.org/drawingml/2006/main" xmlns:r="http://schemas.openxmlformats.org/officeDocument/2006/relationships" xmlns:p="http://schemas.openxmlformats.org/presentationml/2006/main">
+  <p:cSld>
+    <p:spTree>
+      <p:nvGrpSpPr>
+        <p:cNvPr id="1" name=""/>
+        <p:cNvGrpSpPr/>
+        <p:nvPr/>
+      </p:nvGrpSpPr>
+      <p:grpSpPr/>
+      <p:sp>
+        <p:nvSpPr>
+          <p:cNvPr id="4" name="Text Box 3"/>
+          <p:cNvSpPr txBox="true"/>
+          <p:nvPr/>
+        </p:nvSpPr>
+        <p:spPr>
+          <a:xfrm>
+            <a:off x="570865" y="447675"/>
+            <a:ext cx="4942205" cy="521970"/>
+          </a:xfrm>
+          <a:prstGeom prst="rect">
+            <a:avLst/>
+          </a:prstGeom>
+          <a:noFill/>
+        </p:spPr>
+        <p:txBody>
+          <a:bodyPr wrap="none" rtlCol="0">
+            <a:spAutoFit/>
+          </a:bodyPr>
+          <a:p>
+            <a:pPr algn="l"/>
+            <a:r>
+              <a:rPr lang="en-US" altLang="en-US" sz="2800" b="1">
+                <a:solidFill>
+                  <a:srgbClr val="2C3E50"/>
+                </a:solidFill>
+              </a:rPr>
+              <a:t>perf / tracepoint events</a:t>
+            </a:r>
+            <a:endParaRPr lang="en-US" altLang="en-US" sz="2800" b="1">
+              <a:solidFill>
+                <a:srgbClr val="2C3E50"/>
+              </a:solidFill>
+            </a:endParaRPr>
+          </a:p>
+        </p:txBody>
+      </p:sp>
+      <p:sp>
+        <p:nvSpPr>
+          <p:cNvPr id="3" name="Rectangle 2"/>
+          <p:cNvSpPr/>
+          <p:nvPr/>
+        </p:nvSpPr>
+        <p:spPr>
+          <a:xfrm>
+            <a:off x="9079865" y="847090"/>
+            <a:ext cx="1845310" cy="1508760"/>
+          </a:xfrm>
+          <a:prstGeom prst="rect">
+            <a:avLst/>
+          </a:prstGeom>
+          <a:noFill/>
+          <a:ln w="38100">
+            <a:solidFill>
+              <a:srgbClr val="2C3E50"/>
+            </a:solidFill>
+          </a:ln>
+          <a:extLst>
+            <a:ext uri="{909E8E84-426E-40DD-AFC4-6F175D3DCCD1}">
+              <a14:hiddenFill xmlns:a14="http://schemas.microsoft.com/office/drawing/2010/main">
+                <a:solidFill>
+                  <a:srgbClr val="2C3E50"/>
+                </a:solidFill>
+              </a14:hiddenFill>
+            </a:ext>
+          </a:extLst>
+        </p:spPr>
+        <p:style>
+          <a:lnRef idx="2">
+            <a:schemeClr val="accent1">
+              <a:shade val="50000"/>
+            </a:schemeClr>
+          </a:lnRef>
+          <a:fillRef idx="1">
+            <a:schemeClr val="accent1"/>
+          </a:fillRef>
+          <a:effectRef idx="0">
+            <a:schemeClr val="accent1"/>
+          </a:effectRef>
+          <a:fontRef idx="minor">
+            <a:schemeClr val="lt1"/>
+          </a:fontRef>
+        </p:style>
+        <p:txBody>
+          <a:bodyPr rtlCol="0" anchor="ctr"/>
+          <a:p>
+            <a:pPr algn="ctr"/>
+            <a:r>
               <a:rPr lang="en-US" sz="1400" b="1">
                 <a:solidFill>
                   <a:srgbClr val="2C3E50"/>
@@ -5753,14 +6981,14 @@
           <a:p>
             <a:pPr algn="ctr"/>
             <a:r>
-              <a:rPr lang="" altLang="en-US" sz="1400" b="1">
+              <a:rPr lang="en-US" altLang="en-US" sz="1400" b="1">
                 <a:solidFill>
                   <a:srgbClr val="2C3E50"/>
                 </a:solidFill>
               </a:rPr>
               <a:t> </a:t>
             </a:r>
-            <a:endParaRPr lang="" altLang="en-US" b="1">
+            <a:endParaRPr lang="en-US" altLang="en-US" b="1">
               <a:solidFill>
                 <a:srgbClr val="2C3E50"/>
               </a:solidFill>
@@ -5768,7 +6996,7 @@
           </a:p>
           <a:p>
             <a:pPr algn="ctr"/>
-            <a:endParaRPr lang="" altLang="en-US" b="1">
+            <a:endParaRPr lang="en-US" altLang="en-US" b="1">
               <a:solidFill>
                 <a:srgbClr val="2C3E50"/>
               </a:solidFill>
@@ -6361,14 +7589,14 @@
           <a:p>
             <a:pPr algn="ctr"/>
             <a:r>
-              <a:rPr lang="" altLang="en-US" b="1">
+              <a:rPr lang="en-US" altLang="en-US" b="1">
                 <a:solidFill>
                   <a:srgbClr val="2C3E50"/>
                 </a:solidFill>
               </a:rPr>
               <a:t>PMU</a:t>
             </a:r>
-            <a:endParaRPr lang="" altLang="en-US" b="1">
+            <a:endParaRPr lang="en-US" altLang="en-US" b="1">
               <a:solidFill>
                 <a:srgbClr val="2C3E50"/>
               </a:solidFill>
@@ -6376,7 +7604,7 @@
           </a:p>
           <a:p>
             <a:pPr algn="ctr"/>
-            <a:endParaRPr lang="" altLang="en-US" b="1">
+            <a:endParaRPr lang="en-US" altLang="en-US" b="1">
               <a:solidFill>
                 <a:srgbClr val="2C3E50"/>
               </a:solidFill>
@@ -6384,7 +7612,7 @@
           </a:p>
           <a:p>
             <a:pPr algn="ctr"/>
-            <a:endParaRPr lang="" altLang="en-US" b="1">
+            <a:endParaRPr lang="en-US" altLang="en-US" b="1">
               <a:solidFill>
                 <a:srgbClr val="2C3E50"/>
               </a:solidFill>
@@ -6392,7 +7620,7 @@
           </a:p>
           <a:p>
             <a:pPr algn="ctr"/>
-            <a:endParaRPr lang="" altLang="en-US" b="1">
+            <a:endParaRPr lang="en-US" altLang="en-US" b="1">
               <a:solidFill>
                 <a:srgbClr val="2C3E50"/>
               </a:solidFill>
@@ -6400,7 +7628,7 @@
           </a:p>
           <a:p>
             <a:pPr algn="ctr"/>
-            <a:endParaRPr lang="" altLang="en-US" b="1">
+            <a:endParaRPr lang="en-US" altLang="en-US" b="1">
               <a:solidFill>
                 <a:srgbClr val="2C3E50"/>
               </a:solidFill>
@@ -6408,7 +7636,7 @@
           </a:p>
           <a:p>
             <a:pPr algn="ctr"/>
-            <a:endParaRPr lang="" altLang="en-US" b="1">
+            <a:endParaRPr lang="en-US" altLang="en-US" b="1">
               <a:solidFill>
                 <a:srgbClr val="2C3E50"/>
               </a:solidFill>
@@ -6817,14 +8045,14 @@
           <a:p>
             <a:pPr algn="ctr"/>
             <a:r>
-              <a:rPr lang="" altLang="en-US" sz="1400" b="1">
+              <a:rPr lang="en-US" altLang="en-US" sz="1400" b="1">
                 <a:solidFill>
                   <a:srgbClr val="2C3E50"/>
                 </a:solidFill>
               </a:rPr>
               <a:t>.class</a:t>
             </a:r>
-            <a:endParaRPr lang="" altLang="en-US" sz="1400" b="1">
+            <a:endParaRPr lang="en-US" altLang="en-US" sz="1400" b="1">
               <a:solidFill>
                 <a:srgbClr val="2C3E50"/>
               </a:solidFill>
@@ -7000,14 +8228,14 @@
             <a:p>
               <a:pPr algn="ctr"/>
               <a:r>
-                <a:rPr lang="" altLang="en-US" b="1">
+                <a:rPr lang="en-US" altLang="en-US" b="1">
                   <a:solidFill>
                     <a:srgbClr val="2C3E50"/>
                   </a:solidFill>
                 </a:rPr>
                 <a:t>task</a:t>
               </a:r>
-              <a:endParaRPr lang="" altLang="en-US" b="1">
+              <a:endParaRPr lang="en-US" altLang="en-US" b="1">
                 <a:solidFill>
                   <a:srgbClr val="2C3E50"/>
                 </a:solidFill>
@@ -7015,7 +8243,7 @@
             </a:p>
             <a:p>
               <a:pPr algn="ctr"/>
-              <a:endParaRPr lang="" altLang="en-US" b="1">
+              <a:endParaRPr lang="en-US" altLang="en-US" b="1">
                 <a:solidFill>
                   <a:srgbClr val="2C3E50"/>
                 </a:solidFill>
@@ -7023,7 +8251,7 @@
             </a:p>
             <a:p>
               <a:pPr algn="ctr"/>
-              <a:endParaRPr lang="" altLang="en-US" b="1">
+              <a:endParaRPr lang="en-US" altLang="en-US" b="1">
                 <a:solidFill>
                   <a:srgbClr val="2C3E50"/>
                 </a:solidFill>
@@ -7082,7 +8310,7 @@
             <a:p>
               <a:pPr algn="ctr"/>
               <a:r>
-                <a:rPr lang="" altLang="en-US" sz="900" b="1">
+                <a:rPr lang="en-US" altLang="en-US" sz="900" b="1">
                   <a:solidFill>
                     <a:srgbClr val="2C3E50"/>
                   </a:solidFill>
@@ -7098,14 +8326,14 @@
                 <a:t>perf_event_ctxp</a:t>
               </a:r>
               <a:r>
-                <a:rPr lang="" altLang="en-US" sz="900" b="1">
+                <a:rPr lang="en-US" altLang="en-US" sz="900" b="1">
                   <a:solidFill>
                     <a:srgbClr val="2C3E50"/>
                   </a:solidFill>
                 </a:rPr>
                 <a:t>[]</a:t>
               </a:r>
-              <a:endParaRPr lang="" altLang="en-US" sz="900" b="1">
+              <a:endParaRPr lang="en-US" altLang="en-US" sz="900" b="1">
                 <a:solidFill>
                   <a:srgbClr val="2C3E50"/>
                 </a:solidFill>
@@ -7313,14 +8541,14 @@
           <a:p>
             <a:pPr algn="ctr"/>
             <a:r>
-              <a:rPr lang="" altLang="en-US" b="1">
+              <a:rPr lang="en-US" altLang="en-US" b="1">
                 <a:solidFill>
                   <a:srgbClr val="2C3E50"/>
                 </a:solidFill>
               </a:rPr>
               <a:t>perf_event</a:t>
             </a:r>
-            <a:endParaRPr lang="" altLang="en-US" b="1">
+            <a:endParaRPr lang="en-US" altLang="en-US" b="1">
               <a:solidFill>
                 <a:srgbClr val="2C3E50"/>
               </a:solidFill>
@@ -7755,22 +8983,13 @@
           <a:p>
             <a:pPr algn="ctr"/>
             <a:r>
-              <a:rPr lang="" altLang="en-US" sz="1400" b="1">
+              <a:rPr lang="en-US" altLang="en-US" sz="1400" b="1">
                 <a:solidFill>
                   <a:srgbClr val="2C3E50"/>
                 </a:solidFill>
                 <a:sym typeface="+mn-ea"/>
               </a:rPr>
-              <a:t>.</a:t>
-            </a:r>
-            <a:r>
-              <a:rPr lang="en-US" altLang="en-US" sz="1400" b="1">
-                <a:solidFill>
-                  <a:srgbClr val="2C3E50"/>
-                </a:solidFill>
-                <a:sym typeface="+mn-ea"/>
-              </a:rPr>
-              <a:t>perf_events</a:t>
+              <a:t>.perf_events</a:t>
             </a:r>
             <a:endParaRPr lang="en-US" sz="1400" b="1">
               <a:solidFill>
@@ -8031,7 +9250,7 @@
 </p:sld>
 </file>
 
-<file path=ppt/slides/slide13.xml><?xml version="1.0" encoding="utf-8"?>
+<file path=ppt/slides/slide14.xml><?xml version="1.0" encoding="utf-8"?>
 <p:sld xmlns:a="http://schemas.openxmlformats.org/drawingml/2006/main" xmlns:r="http://schemas.openxmlformats.org/officeDocument/2006/relationships" xmlns:p="http://schemas.openxmlformats.org/presentationml/2006/main">
   <p:cSld>
     <p:spTree>
@@ -8050,7 +9269,7 @@
         <p:spPr>
           <a:xfrm>
             <a:off x="570865" y="447675"/>
-            <a:ext cx="5567680" cy="521970"/>
+            <a:ext cx="5340985" cy="521970"/>
           </a:xfrm>
           <a:prstGeom prst="rect">
             <a:avLst/>
@@ -8069,7 +9288,7 @@
                   <a:srgbClr val="2C3E50"/>
                 </a:solidFill>
               </a:rPr>
-              <a:t>perf / tracepoint events / </a:t>
+              <a:t>perf / software</a:t>
             </a:r>
             <a:r>
               <a:rPr lang="" altLang="en-US" sz="2800" b="1">
@@ -8077,9 +9296,17 @@
                   <a:srgbClr val="2C3E50"/>
                 </a:solidFill>
               </a:rPr>
-              <a:t>2</a:t>
-            </a:r>
-            <a:endParaRPr lang="" altLang="en-US" sz="2800" b="1">
+              <a:t> events</a:t>
+            </a:r>
+            <a:r>
+              <a:rPr lang="zh-CN" altLang="" sz="2800" b="1">
+                <a:solidFill>
+                  <a:srgbClr val="2C3E50"/>
+                </a:solidFill>
+              </a:rPr>
+              <a:t>原理</a:t>
+            </a:r>
+            <a:endParaRPr lang="zh-CN" altLang="" sz="2800" b="1">
               <a:solidFill>
                 <a:srgbClr val="2C3E50"/>
               </a:solidFill>
@@ -8095,8 +9322,8 @@
         </p:nvSpPr>
         <p:spPr>
           <a:xfrm>
-            <a:off x="7087235" y="172720"/>
-            <a:ext cx="1666240" cy="681990"/>
+            <a:off x="1168400" y="2412365"/>
+            <a:ext cx="2418715" cy="681990"/>
           </a:xfrm>
           <a:prstGeom prst="rect">
             <a:avLst/>
@@ -8137,26 +9364,50 @@
           <a:bodyPr rtlCol="0" anchor="ctr"/>
           <a:p>
             <a:pPr algn="ctr"/>
+            <a:r>
+              <a:rPr lang="en-US" b="1">
+                <a:solidFill>
+                  <a:srgbClr val="2C3E50"/>
+                </a:solidFill>
+              </a:rPr>
+              <a:t>PMU</a:t>
+            </a:r>
             <a:endParaRPr lang="en-US" b="1">
               <a:solidFill>
                 <a:srgbClr val="2C3E50"/>
               </a:solidFill>
             </a:endParaRPr>
           </a:p>
+          <a:p>
+            <a:pPr algn="ctr"/>
+            <a:r>
+              <a:rPr lang="" altLang="en-US" b="1">
+                <a:solidFill>
+                  <a:srgbClr val="2C3E50"/>
+                </a:solidFill>
+              </a:rPr>
+              <a:t>perf_swevent</a:t>
+            </a:r>
+            <a:endParaRPr lang="" altLang="en-US" b="1">
+              <a:solidFill>
+                <a:srgbClr val="2C3E50"/>
+              </a:solidFill>
+            </a:endParaRPr>
+          </a:p>
         </p:txBody>
       </p:sp>
       <p:sp>
         <p:nvSpPr>
-          <p:cNvPr id="28" name="Snip Single Corner Rectangle 27"/>
+          <p:cNvPr id="2" name="Rectangle 1"/>
           <p:cNvSpPr/>
           <p:nvPr/>
         </p:nvSpPr>
         <p:spPr>
           <a:xfrm>
-            <a:off x="9611360" y="447675"/>
-            <a:ext cx="1292225" cy="359410"/>
-          </a:xfrm>
-          <a:prstGeom prst="snip1Rect">
+            <a:off x="4925060" y="3553460"/>
+            <a:ext cx="2426970" cy="832485"/>
+          </a:xfrm>
+          <a:prstGeom prst="rect">
             <a:avLst/>
           </a:prstGeom>
           <a:noFill/>
@@ -8195,14 +9446,909 @@
           <a:bodyPr rtlCol="0" anchor="ctr"/>
           <a:p>
             <a:pPr algn="ctr"/>
-            <a:endParaRPr lang="en-US" sz="1400" b="1">
+            <a:r>
+              <a:rPr lang="zh-CN" altLang="en-US" b="1">
+                <a:solidFill>
+                  <a:srgbClr val="2C3E50"/>
+                </a:solidFill>
+              </a:rPr>
+              <a:t>全局的</a:t>
+            </a:r>
+            <a:endParaRPr lang="en-US" b="1">
               <a:solidFill>
                 <a:srgbClr val="2C3E50"/>
               </a:solidFill>
             </a:endParaRPr>
           </a:p>
+          <a:p>
+            <a:pPr algn="ctr"/>
+            <a:r>
+              <a:rPr lang="en-US" b="1">
+                <a:solidFill>
+                  <a:srgbClr val="2C3E50"/>
+                </a:solidFill>
+              </a:rPr>
+              <a:t>swevent_htable</a:t>
+            </a:r>
+            <a:endParaRPr lang="en-US" b="1">
+              <a:solidFill>
+                <a:srgbClr val="2C3E50"/>
+              </a:solidFill>
+            </a:endParaRPr>
+          </a:p>
         </p:txBody>
       </p:sp>
+      <p:sp>
+        <p:nvSpPr>
+          <p:cNvPr id="3" name="Text Box 2"/>
+          <p:cNvSpPr txBox="true"/>
+          <p:nvPr/>
+        </p:nvSpPr>
+        <p:spPr>
+          <a:xfrm>
+            <a:off x="570865" y="6189980"/>
+            <a:ext cx="3613150" cy="245110"/>
+          </a:xfrm>
+          <a:prstGeom prst="rect">
+            <a:avLst/>
+          </a:prstGeom>
+          <a:noFill/>
+        </p:spPr>
+        <p:txBody>
+          <a:bodyPr wrap="none" rtlCol="0">
+            <a:spAutoFit/>
+          </a:bodyPr>
+          <a:p>
+            <a:pPr algn="l"/>
+            <a:r>
+              <a:rPr lang="zh-CN" altLang="en-US" sz="1000" b="1">
+                <a:solidFill>
+                  <a:srgbClr val="2C3E50"/>
+                </a:solidFill>
+              </a:rPr>
+              <a:t>注：</a:t>
+            </a:r>
+            <a:r>
+              <a:rPr lang="en-US" altLang="zh-CN" sz="1000" b="1">
+                <a:solidFill>
+                  <a:srgbClr val="2C3E50"/>
+                </a:solidFill>
+              </a:rPr>
+              <a:t>PMU -- </a:t>
+            </a:r>
+            <a:r>
+              <a:rPr lang="en-US" sz="1000" b="1">
+                <a:solidFill>
+                  <a:srgbClr val="2C3E50"/>
+                </a:solidFill>
+              </a:rPr>
+              <a:t>generic performance monitoring unit</a:t>
+            </a:r>
+            <a:endParaRPr lang="en-US" sz="1000" b="1">
+              <a:solidFill>
+                <a:srgbClr val="2C3E50"/>
+              </a:solidFill>
+            </a:endParaRPr>
+          </a:p>
+        </p:txBody>
+      </p:sp>
+      <p:sp>
+        <p:nvSpPr>
+          <p:cNvPr id="7" name="Rectangle 6"/>
+          <p:cNvSpPr/>
+          <p:nvPr/>
+        </p:nvSpPr>
+        <p:spPr>
+          <a:xfrm>
+            <a:off x="1569720" y="3553460"/>
+            <a:ext cx="1616710" cy="273685"/>
+          </a:xfrm>
+          <a:prstGeom prst="rect">
+            <a:avLst/>
+          </a:prstGeom>
+          <a:noFill/>
+          <a:ln w="38100">
+            <a:solidFill>
+              <a:srgbClr val="2C3E50"/>
+            </a:solidFill>
+          </a:ln>
+          <a:extLst>
+            <a:ext uri="{909E8E84-426E-40DD-AFC4-6F175D3DCCD1}">
+              <a14:hiddenFill xmlns:a14="http://schemas.microsoft.com/office/drawing/2010/main">
+                <a:solidFill>
+                  <a:schemeClr val="accent1"/>
+                </a:solidFill>
+              </a14:hiddenFill>
+            </a:ext>
+          </a:extLst>
+        </p:spPr>
+        <p:style>
+          <a:lnRef idx="2">
+            <a:schemeClr val="accent1">
+              <a:shade val="50000"/>
+            </a:schemeClr>
+          </a:lnRef>
+          <a:fillRef idx="1">
+            <a:schemeClr val="accent1"/>
+          </a:fillRef>
+          <a:effectRef idx="0">
+            <a:schemeClr val="accent1"/>
+          </a:effectRef>
+          <a:fontRef idx="minor">
+            <a:schemeClr val="lt1"/>
+          </a:fontRef>
+        </p:style>
+        <p:txBody>
+          <a:bodyPr rtlCol="0" anchor="ctr"/>
+          <a:p>
+            <a:pPr algn="ctr"/>
+            <a:r>
+              <a:rPr lang="zh-CN" altLang="" sz="1200" b="1">
+                <a:solidFill>
+                  <a:srgbClr val="2C3E50"/>
+                </a:solidFill>
+              </a:rPr>
+              <a:t>使能相应的事件</a:t>
+            </a:r>
+            <a:endParaRPr lang="zh-CN" altLang="" sz="1200" b="1">
+              <a:solidFill>
+                <a:srgbClr val="2C3E50"/>
+              </a:solidFill>
+            </a:endParaRPr>
+          </a:p>
+        </p:txBody>
+      </p:sp>
+      <p:sp>
+        <p:nvSpPr>
+          <p:cNvPr id="22" name="Text Box 21"/>
+          <p:cNvSpPr txBox="true"/>
+          <p:nvPr/>
+        </p:nvSpPr>
+        <p:spPr>
+          <a:xfrm>
+            <a:off x="3835400" y="2412365"/>
+            <a:ext cx="2634615" cy="275590"/>
+          </a:xfrm>
+          <a:prstGeom prst="rect">
+            <a:avLst/>
+          </a:prstGeom>
+          <a:noFill/>
+        </p:spPr>
+        <p:txBody>
+          <a:bodyPr wrap="square" rtlCol="0" anchor="t">
+            <a:spAutoFit/>
+          </a:bodyPr>
+          <a:p>
+            <a:r>
+              <a:rPr lang="en-US" sz="1200" b="1">
+                <a:solidFill>
+                  <a:srgbClr val="2C3E50"/>
+                </a:solidFill>
+              </a:rPr>
+              <a:t>调用pmu-&gt;event_init(event)</a:t>
+            </a:r>
+            <a:endParaRPr lang="en-US" sz="1200" b="1">
+              <a:solidFill>
+                <a:srgbClr val="2C3E50"/>
+              </a:solidFill>
+            </a:endParaRPr>
+          </a:p>
+        </p:txBody>
+      </p:sp>
+      <p:sp>
+        <p:nvSpPr>
+          <p:cNvPr id="8" name="Snip Single Corner Rectangle 7"/>
+          <p:cNvSpPr/>
+          <p:nvPr/>
+        </p:nvSpPr>
+        <p:spPr>
+          <a:xfrm>
+            <a:off x="8055610" y="2573655"/>
+            <a:ext cx="1356360" cy="359410"/>
+          </a:xfrm>
+          <a:prstGeom prst="snip1Rect">
+            <a:avLst/>
+          </a:prstGeom>
+          <a:noFill/>
+          <a:ln w="38100">
+            <a:solidFill>
+              <a:srgbClr val="2C3E50"/>
+            </a:solidFill>
+          </a:ln>
+          <a:extLst>
+            <a:ext uri="{909E8E84-426E-40DD-AFC4-6F175D3DCCD1}">
+              <a14:hiddenFill xmlns:a14="http://schemas.microsoft.com/office/drawing/2010/main">
+                <a:solidFill>
+                  <a:schemeClr val="accent1"/>
+                </a:solidFill>
+              </a14:hiddenFill>
+            </a:ext>
+          </a:extLst>
+        </p:spPr>
+        <p:style>
+          <a:lnRef idx="2">
+            <a:schemeClr val="accent1">
+              <a:shade val="50000"/>
+            </a:schemeClr>
+          </a:lnRef>
+          <a:fillRef idx="1">
+            <a:schemeClr val="accent1"/>
+          </a:fillRef>
+          <a:effectRef idx="0">
+            <a:schemeClr val="accent1"/>
+          </a:effectRef>
+          <a:fontRef idx="minor">
+            <a:schemeClr val="lt1"/>
+          </a:fontRef>
+        </p:style>
+        <p:txBody>
+          <a:bodyPr rtlCol="0" anchor="ctr"/>
+          <a:p>
+            <a:pPr algn="ctr"/>
+            <a:r>
+              <a:rPr lang="en-US" altLang="en-US" sz="1400" b="1">
+                <a:solidFill>
+                  <a:srgbClr val="2C3E50"/>
+                </a:solidFill>
+              </a:rPr>
+              <a:t>perf_event</a:t>
+            </a:r>
+            <a:endParaRPr lang="en-US" altLang="en-US" sz="1400" b="1">
+              <a:solidFill>
+                <a:srgbClr val="2C3E50"/>
+              </a:solidFill>
+            </a:endParaRPr>
+          </a:p>
+        </p:txBody>
+      </p:sp>
+      <p:sp>
+        <p:nvSpPr>
+          <p:cNvPr id="9" name="Text Box 8"/>
+          <p:cNvSpPr txBox="true"/>
+          <p:nvPr/>
+        </p:nvSpPr>
+        <p:spPr>
+          <a:xfrm>
+            <a:off x="7221855" y="1134745"/>
+            <a:ext cx="3023870" cy="460375"/>
+          </a:xfrm>
+          <a:prstGeom prst="rect">
+            <a:avLst/>
+          </a:prstGeom>
+          <a:noFill/>
+        </p:spPr>
+        <p:txBody>
+          <a:bodyPr wrap="none" rtlCol="0">
+            <a:spAutoFit/>
+          </a:bodyPr>
+          <a:p>
+            <a:pPr algn="l"/>
+            <a:r>
+              <a:rPr lang="en-US" sz="2400" b="1">
+                <a:solidFill>
+                  <a:srgbClr val="2C3E50"/>
+                </a:solidFill>
+              </a:rPr>
+              <a:t>perf_event_open</a:t>
+            </a:r>
+            <a:endParaRPr lang="en-US" sz="2400" b="1">
+              <a:solidFill>
+                <a:srgbClr val="2C3E50"/>
+              </a:solidFill>
+            </a:endParaRPr>
+          </a:p>
+        </p:txBody>
+      </p:sp>
+      <p:cxnSp>
+        <p:nvCxnSpPr>
+          <p:cNvPr id="10" name="Straight Arrow Connector 9"/>
+          <p:cNvCxnSpPr>
+            <a:stCxn id="23" idx="2"/>
+            <a:endCxn id="8" idx="3"/>
+          </p:cNvCxnSpPr>
+          <p:nvPr/>
+        </p:nvCxnSpPr>
+        <p:spPr>
+          <a:xfrm flipH="true">
+            <a:off x="8733790" y="2312035"/>
+            <a:ext cx="635" cy="261620"/>
+          </a:xfrm>
+          <a:prstGeom prst="straightConnector1">
+            <a:avLst/>
+          </a:prstGeom>
+          <a:ln w="38100">
+            <a:solidFill>
+              <a:srgbClr val="3EAF7C"/>
+            </a:solidFill>
+            <a:tailEnd type="arrow"/>
+          </a:ln>
+        </p:spPr>
+        <p:style>
+          <a:lnRef idx="1">
+            <a:schemeClr val="accent1"/>
+          </a:lnRef>
+          <a:fillRef idx="0">
+            <a:schemeClr val="accent1"/>
+          </a:fillRef>
+          <a:effectRef idx="0">
+            <a:schemeClr val="accent1"/>
+          </a:effectRef>
+          <a:fontRef idx="minor">
+            <a:schemeClr val="tx1"/>
+          </a:fontRef>
+        </p:style>
+      </p:cxnSp>
+      <p:cxnSp>
+        <p:nvCxnSpPr>
+          <p:cNvPr id="11" name="Straight Arrow Connector 10"/>
+          <p:cNvCxnSpPr>
+            <a:stCxn id="8" idx="2"/>
+            <a:endCxn id="19" idx="3"/>
+          </p:cNvCxnSpPr>
+          <p:nvPr/>
+        </p:nvCxnSpPr>
+        <p:spPr>
+          <a:xfrm flipH="true">
+            <a:off x="3587115" y="2753360"/>
+            <a:ext cx="4468495" cy="0"/>
+          </a:xfrm>
+          <a:prstGeom prst="straightConnector1">
+            <a:avLst/>
+          </a:prstGeom>
+          <a:ln w="38100">
+            <a:solidFill>
+              <a:srgbClr val="3EAF7C"/>
+            </a:solidFill>
+            <a:tailEnd type="arrow"/>
+          </a:ln>
+        </p:spPr>
+        <p:style>
+          <a:lnRef idx="1">
+            <a:schemeClr val="accent1"/>
+          </a:lnRef>
+          <a:fillRef idx="0">
+            <a:schemeClr val="accent1"/>
+          </a:fillRef>
+          <a:effectRef idx="0">
+            <a:schemeClr val="accent1"/>
+          </a:effectRef>
+          <a:fontRef idx="minor">
+            <a:schemeClr val="tx1"/>
+          </a:fontRef>
+        </p:style>
+      </p:cxnSp>
+      <p:cxnSp>
+        <p:nvCxnSpPr>
+          <p:cNvPr id="12" name="Straight Arrow Connector 11"/>
+          <p:cNvCxnSpPr>
+            <a:stCxn id="19" idx="2"/>
+            <a:endCxn id="7" idx="0"/>
+          </p:cNvCxnSpPr>
+          <p:nvPr/>
+        </p:nvCxnSpPr>
+        <p:spPr>
+          <a:xfrm>
+            <a:off x="2378075" y="3094355"/>
+            <a:ext cx="0" cy="459105"/>
+          </a:xfrm>
+          <a:prstGeom prst="straightConnector1">
+            <a:avLst/>
+          </a:prstGeom>
+          <a:ln w="38100">
+            <a:solidFill>
+              <a:srgbClr val="3EAF7C"/>
+            </a:solidFill>
+            <a:tailEnd type="arrow"/>
+          </a:ln>
+        </p:spPr>
+        <p:style>
+          <a:lnRef idx="1">
+            <a:schemeClr val="accent1"/>
+          </a:lnRef>
+          <a:fillRef idx="0">
+            <a:schemeClr val="accent1"/>
+          </a:fillRef>
+          <a:effectRef idx="0">
+            <a:schemeClr val="accent1"/>
+          </a:effectRef>
+          <a:fontRef idx="minor">
+            <a:schemeClr val="tx1"/>
+          </a:fontRef>
+        </p:style>
+      </p:cxnSp>
+      <p:sp>
+        <p:nvSpPr>
+          <p:cNvPr id="13" name="Rectangle 12"/>
+          <p:cNvSpPr/>
+          <p:nvPr/>
+        </p:nvSpPr>
+        <p:spPr>
+          <a:xfrm>
+            <a:off x="1454785" y="4660265"/>
+            <a:ext cx="1666240" cy="681990"/>
+          </a:xfrm>
+          <a:prstGeom prst="rect">
+            <a:avLst/>
+          </a:prstGeom>
+          <a:noFill/>
+          <a:ln w="38100">
+            <a:solidFill>
+              <a:srgbClr val="2C3E50"/>
+            </a:solidFill>
+          </a:ln>
+          <a:extLst>
+            <a:ext uri="{909E8E84-426E-40DD-AFC4-6F175D3DCCD1}">
+              <a14:hiddenFill xmlns:a14="http://schemas.microsoft.com/office/drawing/2010/main">
+                <a:solidFill>
+                  <a:schemeClr val="accent1"/>
+                </a:solidFill>
+              </a14:hiddenFill>
+            </a:ext>
+          </a:extLst>
+        </p:spPr>
+        <p:style>
+          <a:lnRef idx="2">
+            <a:schemeClr val="accent1">
+              <a:shade val="50000"/>
+            </a:schemeClr>
+          </a:lnRef>
+          <a:fillRef idx="1">
+            <a:schemeClr val="accent1"/>
+          </a:fillRef>
+          <a:effectRef idx="0">
+            <a:schemeClr val="accent1"/>
+          </a:effectRef>
+          <a:fontRef idx="minor">
+            <a:schemeClr val="lt1"/>
+          </a:fontRef>
+        </p:style>
+        <p:txBody>
+          <a:bodyPr rtlCol="0" anchor="ctr"/>
+          <a:p>
+            <a:pPr algn="ctr"/>
+            <a:r>
+              <a:rPr lang="zh-CN" altLang="en-US" b="1">
+                <a:solidFill>
+                  <a:srgbClr val="2C3E50"/>
+                </a:solidFill>
+              </a:rPr>
+              <a:t>桩函数触发</a:t>
+            </a:r>
+            <a:endParaRPr lang="zh-CN" altLang="en-US" b="1">
+              <a:solidFill>
+                <a:srgbClr val="2C3E50"/>
+              </a:solidFill>
+            </a:endParaRPr>
+          </a:p>
+        </p:txBody>
+      </p:sp>
+      <p:sp>
+        <p:nvSpPr>
+          <p:cNvPr id="15" name="Rectangle 14"/>
+          <p:cNvSpPr/>
+          <p:nvPr/>
+        </p:nvSpPr>
+        <p:spPr>
+          <a:xfrm>
+            <a:off x="7818755" y="4919345"/>
+            <a:ext cx="2426970" cy="522605"/>
+          </a:xfrm>
+          <a:prstGeom prst="rect">
+            <a:avLst/>
+          </a:prstGeom>
+          <a:noFill/>
+          <a:ln w="38100">
+            <a:solidFill>
+              <a:srgbClr val="2C3E50"/>
+            </a:solidFill>
+          </a:ln>
+          <a:extLst>
+            <a:ext uri="{909E8E84-426E-40DD-AFC4-6F175D3DCCD1}">
+              <a14:hiddenFill xmlns:a14="http://schemas.microsoft.com/office/drawing/2010/main">
+                <a:solidFill>
+                  <a:schemeClr val="accent1"/>
+                </a:solidFill>
+              </a14:hiddenFill>
+            </a:ext>
+          </a:extLst>
+        </p:spPr>
+        <p:style>
+          <a:lnRef idx="2">
+            <a:schemeClr val="accent1">
+              <a:shade val="50000"/>
+            </a:schemeClr>
+          </a:lnRef>
+          <a:fillRef idx="1">
+            <a:schemeClr val="accent1"/>
+          </a:fillRef>
+          <a:effectRef idx="0">
+            <a:schemeClr val="accent1"/>
+          </a:effectRef>
+          <a:fontRef idx="minor">
+            <a:schemeClr val="lt1"/>
+          </a:fontRef>
+        </p:style>
+        <p:txBody>
+          <a:bodyPr rtlCol="0" anchor="ctr"/>
+          <a:p>
+            <a:pPr algn="ctr"/>
+            <a:r>
+              <a:rPr lang="en-US" b="1">
+                <a:solidFill>
+                  <a:srgbClr val="2C3E50"/>
+                </a:solidFill>
+                <a:sym typeface="+mn-ea"/>
+              </a:rPr>
+              <a:t>context_switch</a:t>
+            </a:r>
+            <a:endParaRPr lang="en-US" b="1">
+              <a:solidFill>
+                <a:srgbClr val="2C3E50"/>
+              </a:solidFill>
+            </a:endParaRPr>
+          </a:p>
+        </p:txBody>
+      </p:sp>
+      <p:cxnSp>
+        <p:nvCxnSpPr>
+          <p:cNvPr id="18" name="Elbow Connector 17"/>
+          <p:cNvCxnSpPr>
+            <a:stCxn id="15" idx="3"/>
+            <a:endCxn id="8" idx="0"/>
+          </p:cNvCxnSpPr>
+          <p:nvPr/>
+        </p:nvCxnSpPr>
+        <p:spPr>
+          <a:xfrm flipH="true" flipV="true">
+            <a:off x="9411970" y="2753360"/>
+            <a:ext cx="833755" cy="2427605"/>
+          </a:xfrm>
+          <a:prstGeom prst="bentConnector3">
+            <a:avLst>
+              <a:gd name="adj1" fmla="val -28561"/>
+            </a:avLst>
+          </a:prstGeom>
+          <a:ln w="38100">
+            <a:solidFill>
+              <a:srgbClr val="FFC000"/>
+            </a:solidFill>
+            <a:tailEnd type="arrow"/>
+          </a:ln>
+        </p:spPr>
+        <p:style>
+          <a:lnRef idx="1">
+            <a:schemeClr val="accent1"/>
+          </a:lnRef>
+          <a:fillRef idx="0">
+            <a:schemeClr val="accent1"/>
+          </a:fillRef>
+          <a:effectRef idx="0">
+            <a:schemeClr val="accent1"/>
+          </a:effectRef>
+          <a:fontRef idx="minor">
+            <a:schemeClr val="tx1"/>
+          </a:fontRef>
+        </p:style>
+      </p:cxnSp>
+      <p:cxnSp>
+        <p:nvCxnSpPr>
+          <p:cNvPr id="20" name="Elbow Connector 19"/>
+          <p:cNvCxnSpPr>
+            <a:stCxn id="8" idx="1"/>
+            <a:endCxn id="2" idx="3"/>
+          </p:cNvCxnSpPr>
+          <p:nvPr/>
+        </p:nvCxnSpPr>
+        <p:spPr>
+          <a:xfrm rot="5400000">
+            <a:off x="7524433" y="2760663"/>
+            <a:ext cx="1036955" cy="1381760"/>
+          </a:xfrm>
+          <a:prstGeom prst="bentConnector2">
+            <a:avLst/>
+          </a:prstGeom>
+          <a:ln w="38100">
+            <a:solidFill>
+              <a:srgbClr val="FFC000"/>
+            </a:solidFill>
+            <a:tailEnd type="arrow"/>
+          </a:ln>
+        </p:spPr>
+        <p:style>
+          <a:lnRef idx="1">
+            <a:schemeClr val="accent1"/>
+          </a:lnRef>
+          <a:fillRef idx="0">
+            <a:schemeClr val="accent1"/>
+          </a:fillRef>
+          <a:effectRef idx="0">
+            <a:schemeClr val="accent1"/>
+          </a:effectRef>
+          <a:fontRef idx="minor">
+            <a:schemeClr val="tx1"/>
+          </a:fontRef>
+        </p:style>
+      </p:cxnSp>
+      <p:cxnSp>
+        <p:nvCxnSpPr>
+          <p:cNvPr id="21" name="Elbow Connector 20"/>
+          <p:cNvCxnSpPr>
+            <a:stCxn id="13" idx="3"/>
+            <a:endCxn id="2" idx="1"/>
+          </p:cNvCxnSpPr>
+          <p:nvPr/>
+        </p:nvCxnSpPr>
+        <p:spPr>
+          <a:xfrm flipV="true">
+            <a:off x="3121025" y="3970020"/>
+            <a:ext cx="1804035" cy="1031240"/>
+          </a:xfrm>
+          <a:prstGeom prst="bentConnector3">
+            <a:avLst>
+              <a:gd name="adj1" fmla="val 50018"/>
+            </a:avLst>
+          </a:prstGeom>
+          <a:ln w="38100">
+            <a:solidFill>
+              <a:srgbClr val="CC3300"/>
+            </a:solidFill>
+            <a:tailEnd type="arrow"/>
+          </a:ln>
+        </p:spPr>
+        <p:style>
+          <a:lnRef idx="1">
+            <a:schemeClr val="accent1"/>
+          </a:lnRef>
+          <a:fillRef idx="0">
+            <a:schemeClr val="accent1"/>
+          </a:fillRef>
+          <a:effectRef idx="0">
+            <a:schemeClr val="accent1"/>
+          </a:effectRef>
+          <a:fontRef idx="minor">
+            <a:schemeClr val="tx1"/>
+          </a:fontRef>
+        </p:style>
+      </p:cxnSp>
+      <p:sp>
+        <p:nvSpPr>
+          <p:cNvPr id="23" name="Text Box 22"/>
+          <p:cNvSpPr txBox="true"/>
+          <p:nvPr/>
+        </p:nvSpPr>
+        <p:spPr>
+          <a:xfrm>
+            <a:off x="7399020" y="2036445"/>
+            <a:ext cx="2670175" cy="275590"/>
+          </a:xfrm>
+          <a:prstGeom prst="rect">
+            <a:avLst/>
+          </a:prstGeom>
+          <a:noFill/>
+        </p:spPr>
+        <p:txBody>
+          <a:bodyPr wrap="none" rtlCol="0">
+            <a:spAutoFit/>
+          </a:bodyPr>
+          <a:p>
+            <a:pPr algn="l"/>
+            <a:r>
+              <a:rPr lang="zh-CN" altLang="en-US" sz="1200" b="1">
+                <a:solidFill>
+                  <a:srgbClr val="2C3E50"/>
+                </a:solidFill>
+              </a:rPr>
+              <a:t>把</a:t>
+            </a:r>
+            <a:r>
+              <a:rPr lang="en-US" altLang="zh-CN" sz="1200" b="1">
+                <a:solidFill>
+                  <a:srgbClr val="2C3E50"/>
+                </a:solidFill>
+              </a:rPr>
+              <a:t>perf_</a:t>
+            </a:r>
+            <a:r>
+              <a:rPr lang="en-US" altLang="en-US" sz="1200" b="1">
+                <a:solidFill>
+                  <a:srgbClr val="2C3E50"/>
+                </a:solidFill>
+              </a:rPr>
+              <a:t>event安装到</a:t>
+            </a:r>
+            <a:r>
+              <a:rPr lang="zh-CN" altLang="en-US" sz="1200" b="1">
+                <a:solidFill>
+                  <a:srgbClr val="2C3E50"/>
+                </a:solidFill>
+              </a:rPr>
+              <a:t>进程</a:t>
+            </a:r>
+            <a:r>
+              <a:rPr lang="en-US" altLang="en-US" sz="1200" b="1">
+                <a:solidFill>
+                  <a:srgbClr val="2C3E50"/>
+                </a:solidFill>
+              </a:rPr>
+              <a:t>context</a:t>
+            </a:r>
+            <a:endParaRPr lang="en-US" altLang="en-US" sz="1200" b="1">
+              <a:solidFill>
+                <a:srgbClr val="2C3E50"/>
+              </a:solidFill>
+            </a:endParaRPr>
+          </a:p>
+        </p:txBody>
+      </p:sp>
+      <p:cxnSp>
+        <p:nvCxnSpPr>
+          <p:cNvPr id="24" name="Straight Arrow Connector 23"/>
+          <p:cNvCxnSpPr>
+            <a:endCxn id="23" idx="0"/>
+          </p:cNvCxnSpPr>
+          <p:nvPr/>
+        </p:nvCxnSpPr>
+        <p:spPr>
+          <a:xfrm flipH="true">
+            <a:off x="8734425" y="1520190"/>
+            <a:ext cx="635" cy="516255"/>
+          </a:xfrm>
+          <a:prstGeom prst="straightConnector1">
+            <a:avLst/>
+          </a:prstGeom>
+          <a:ln w="38100">
+            <a:solidFill>
+              <a:srgbClr val="3EAF7C"/>
+            </a:solidFill>
+            <a:tailEnd type="arrow"/>
+          </a:ln>
+        </p:spPr>
+        <p:style>
+          <a:lnRef idx="1">
+            <a:schemeClr val="accent1"/>
+          </a:lnRef>
+          <a:fillRef idx="0">
+            <a:schemeClr val="accent1"/>
+          </a:fillRef>
+          <a:effectRef idx="0">
+            <a:schemeClr val="accent1"/>
+          </a:effectRef>
+          <a:fontRef idx="minor">
+            <a:schemeClr val="tx1"/>
+          </a:fontRef>
+        </p:style>
+      </p:cxnSp>
+      <p:sp>
+        <p:nvSpPr>
+          <p:cNvPr id="25" name="Rectangle 24"/>
+          <p:cNvSpPr/>
+          <p:nvPr/>
+        </p:nvSpPr>
+        <p:spPr>
+          <a:xfrm>
+            <a:off x="8288655" y="4144645"/>
+            <a:ext cx="1666240" cy="681990"/>
+          </a:xfrm>
+          <a:prstGeom prst="rect">
+            <a:avLst/>
+          </a:prstGeom>
+          <a:noFill/>
+          <a:ln w="38100">
+            <a:solidFill>
+              <a:srgbClr val="2C3E50"/>
+            </a:solidFill>
+          </a:ln>
+          <a:extLst>
+            <a:ext uri="{909E8E84-426E-40DD-AFC4-6F175D3DCCD1}">
+              <a14:hiddenFill xmlns:a14="http://schemas.microsoft.com/office/drawing/2010/main">
+                <a:solidFill>
+                  <a:schemeClr val="accent1"/>
+                </a:solidFill>
+              </a14:hiddenFill>
+            </a:ext>
+          </a:extLst>
+        </p:spPr>
+        <p:style>
+          <a:lnRef idx="2">
+            <a:schemeClr val="accent1">
+              <a:shade val="50000"/>
+            </a:schemeClr>
+          </a:lnRef>
+          <a:fillRef idx="1">
+            <a:schemeClr val="accent1"/>
+          </a:fillRef>
+          <a:effectRef idx="0">
+            <a:schemeClr val="accent1"/>
+          </a:effectRef>
+          <a:fontRef idx="minor">
+            <a:schemeClr val="lt1"/>
+          </a:fontRef>
+        </p:style>
+        <p:txBody>
+          <a:bodyPr rtlCol="0" anchor="ctr"/>
+          <a:p>
+            <a:pPr algn="ctr"/>
+            <a:r>
+              <a:rPr lang="en-US" altLang="en-US" b="1">
+                <a:solidFill>
+                  <a:srgbClr val="2C3E50"/>
+                </a:solidFill>
+              </a:rPr>
+              <a:t>process</a:t>
+            </a:r>
+            <a:endParaRPr lang="en-US" altLang="en-US" b="1">
+              <a:solidFill>
+                <a:srgbClr val="2C3E50"/>
+              </a:solidFill>
+            </a:endParaRPr>
+          </a:p>
+          <a:p>
+            <a:pPr algn="ctr"/>
+            <a:r>
+              <a:rPr lang="en-US" altLang="en-US" b="1">
+                <a:solidFill>
+                  <a:srgbClr val="2C3E50"/>
+                </a:solidFill>
+              </a:rPr>
+              <a:t>.</a:t>
+            </a:r>
+            <a:r>
+              <a:rPr lang="en-US" altLang="en-US" sz="1000" b="1">
+                <a:solidFill>
+                  <a:srgbClr val="2C3E50"/>
+                </a:solidFill>
+              </a:rPr>
+              <a:t>perf_event_context</a:t>
+            </a:r>
+            <a:endParaRPr lang="en-US" altLang="en-US" sz="1000" b="1">
+              <a:solidFill>
+                <a:srgbClr val="2C3E50"/>
+              </a:solidFill>
+            </a:endParaRPr>
+          </a:p>
+        </p:txBody>
+      </p:sp>
+      <p:cxnSp>
+        <p:nvCxnSpPr>
+          <p:cNvPr id="26" name="Elbow Connector 25"/>
+          <p:cNvCxnSpPr>
+            <a:stCxn id="23" idx="3"/>
+            <a:endCxn id="25" idx="3"/>
+          </p:cNvCxnSpPr>
+          <p:nvPr/>
+        </p:nvCxnSpPr>
+        <p:spPr>
+          <a:xfrm flipH="true">
+            <a:off x="9954895" y="2174240"/>
+            <a:ext cx="114300" cy="2311400"/>
+          </a:xfrm>
+          <a:prstGeom prst="bentConnector3">
+            <a:avLst>
+              <a:gd name="adj1" fmla="val -208333"/>
+            </a:avLst>
+          </a:prstGeom>
+          <a:ln w="38100">
+            <a:solidFill>
+              <a:srgbClr val="3EAF7C"/>
+            </a:solidFill>
+            <a:tailEnd type="arrow"/>
+          </a:ln>
+        </p:spPr>
+        <p:style>
+          <a:lnRef idx="1">
+            <a:schemeClr val="accent1"/>
+          </a:lnRef>
+          <a:fillRef idx="0">
+            <a:schemeClr val="accent1"/>
+          </a:fillRef>
+          <a:effectRef idx="0">
+            <a:schemeClr val="accent1"/>
+          </a:effectRef>
+          <a:fontRef idx="minor">
+            <a:schemeClr val="tx1"/>
+          </a:fontRef>
+        </p:style>
+      </p:cxnSp>
     </p:spTree>
   </p:cSld>
   <p:clrMapOvr>
@@ -8211,7 +10357,2073 @@
 </p:sld>
 </file>
 
-<file path=ppt/slides/slide14.xml><?xml version="1.0" encoding="utf-8"?>
+<file path=ppt/slides/slide15.xml><?xml version="1.0" encoding="utf-8"?>
+<p:sld xmlns:a="http://schemas.openxmlformats.org/drawingml/2006/main" xmlns:r="http://schemas.openxmlformats.org/officeDocument/2006/relationships" xmlns:p="http://schemas.openxmlformats.org/presentationml/2006/main">
+  <p:cSld>
+    <p:spTree>
+      <p:nvGrpSpPr>
+        <p:cNvPr id="1" name=""/>
+        <p:cNvGrpSpPr/>
+        <p:nvPr/>
+      </p:nvGrpSpPr>
+      <p:grpSpPr/>
+      <p:sp>
+        <p:nvSpPr>
+          <p:cNvPr id="4" name="Text Box 3"/>
+          <p:cNvSpPr txBox="true"/>
+          <p:nvPr/>
+        </p:nvSpPr>
+        <p:spPr>
+          <a:xfrm>
+            <a:off x="570865" y="447675"/>
+            <a:ext cx="6846570" cy="521970"/>
+          </a:xfrm>
+          <a:prstGeom prst="rect">
+            <a:avLst/>
+          </a:prstGeom>
+          <a:noFill/>
+        </p:spPr>
+        <p:txBody>
+          <a:bodyPr wrap="none" rtlCol="0">
+            <a:spAutoFit/>
+          </a:bodyPr>
+          <a:p>
+            <a:pPr algn="l"/>
+            <a:r>
+              <a:rPr lang="en-US" altLang="en-US" sz="2800" b="1">
+                <a:solidFill>
+                  <a:srgbClr val="2C3E50"/>
+                </a:solidFill>
+              </a:rPr>
+              <a:t>perf / software </a:t>
+            </a:r>
+            <a:r>
+              <a:rPr lang="" altLang="en-US" sz="2800" b="1">
+                <a:solidFill>
+                  <a:srgbClr val="2C3E50"/>
+                </a:solidFill>
+              </a:rPr>
+              <a:t>cpu</a:t>
+            </a:r>
+            <a:r>
+              <a:rPr lang="en-US" altLang="" sz="2800" b="1">
+                <a:solidFill>
+                  <a:srgbClr val="2C3E50"/>
+                </a:solidFill>
+              </a:rPr>
+              <a:t>/</a:t>
+            </a:r>
+            <a:r>
+              <a:rPr lang="" altLang="en-US" sz="2800" b="1">
+                <a:solidFill>
+                  <a:srgbClr val="2C3E50"/>
+                </a:solidFill>
+              </a:rPr>
+              <a:t>task clock</a:t>
+            </a:r>
+            <a:r>
+              <a:rPr lang="zh-CN" altLang="en-US" sz="2800" b="1">
+                <a:solidFill>
+                  <a:srgbClr val="2C3E50"/>
+                </a:solidFill>
+              </a:rPr>
+              <a:t>原理</a:t>
+            </a:r>
+            <a:endParaRPr lang="zh-CN" altLang="en-US" sz="2800" b="1">
+              <a:solidFill>
+                <a:srgbClr val="2C3E50"/>
+              </a:solidFill>
+            </a:endParaRPr>
+          </a:p>
+        </p:txBody>
+      </p:sp>
+      <p:sp>
+        <p:nvSpPr>
+          <p:cNvPr id="19" name="Rectangle 18"/>
+          <p:cNvSpPr/>
+          <p:nvPr/>
+        </p:nvSpPr>
+        <p:spPr>
+          <a:xfrm>
+            <a:off x="1168400" y="2412365"/>
+            <a:ext cx="2418715" cy="681990"/>
+          </a:xfrm>
+          <a:prstGeom prst="rect">
+            <a:avLst/>
+          </a:prstGeom>
+          <a:noFill/>
+          <a:ln w="38100">
+            <a:solidFill>
+              <a:srgbClr val="2C3E50"/>
+            </a:solidFill>
+          </a:ln>
+          <a:extLst>
+            <a:ext uri="{909E8E84-426E-40DD-AFC4-6F175D3DCCD1}">
+              <a14:hiddenFill xmlns:a14="http://schemas.microsoft.com/office/drawing/2010/main">
+                <a:solidFill>
+                  <a:schemeClr val="accent1"/>
+                </a:solidFill>
+              </a14:hiddenFill>
+            </a:ext>
+          </a:extLst>
+        </p:spPr>
+        <p:style>
+          <a:lnRef idx="2">
+            <a:schemeClr val="accent1">
+              <a:shade val="50000"/>
+            </a:schemeClr>
+          </a:lnRef>
+          <a:fillRef idx="1">
+            <a:schemeClr val="accent1"/>
+          </a:fillRef>
+          <a:effectRef idx="0">
+            <a:schemeClr val="accent1"/>
+          </a:effectRef>
+          <a:fontRef idx="minor">
+            <a:schemeClr val="lt1"/>
+          </a:fontRef>
+        </p:style>
+        <p:txBody>
+          <a:bodyPr rtlCol="0" anchor="ctr"/>
+          <a:p>
+            <a:pPr algn="ctr"/>
+            <a:r>
+              <a:rPr lang="en-US" b="1">
+                <a:solidFill>
+                  <a:srgbClr val="2C3E50"/>
+                </a:solidFill>
+              </a:rPr>
+              <a:t>PMU</a:t>
+            </a:r>
+            <a:endParaRPr lang="en-US" b="1">
+              <a:solidFill>
+                <a:srgbClr val="2C3E50"/>
+              </a:solidFill>
+            </a:endParaRPr>
+          </a:p>
+          <a:p>
+            <a:pPr algn="ctr"/>
+            <a:r>
+              <a:rPr lang="en-US" altLang="en-US" b="1">
+                <a:solidFill>
+                  <a:srgbClr val="2C3E50"/>
+                </a:solidFill>
+              </a:rPr>
+              <a:t>perf_</a:t>
+            </a:r>
+            <a:r>
+              <a:rPr lang="en-US" altLang="en-US" b="1">
+                <a:solidFill>
+                  <a:srgbClr val="2C3E50"/>
+                </a:solidFill>
+                <a:sym typeface="+mn-ea"/>
+              </a:rPr>
+              <a:t>cpu/task</a:t>
+            </a:r>
+            <a:endParaRPr lang="en-US" altLang="en-US" b="1">
+              <a:solidFill>
+                <a:srgbClr val="2C3E50"/>
+              </a:solidFill>
+            </a:endParaRPr>
+          </a:p>
+        </p:txBody>
+      </p:sp>
+      <p:sp>
+        <p:nvSpPr>
+          <p:cNvPr id="7" name="Rectangle 6"/>
+          <p:cNvSpPr/>
+          <p:nvPr/>
+        </p:nvSpPr>
+        <p:spPr>
+          <a:xfrm>
+            <a:off x="1569720" y="3553460"/>
+            <a:ext cx="1616710" cy="273685"/>
+          </a:xfrm>
+          <a:prstGeom prst="rect">
+            <a:avLst/>
+          </a:prstGeom>
+          <a:noFill/>
+          <a:ln w="38100">
+            <a:solidFill>
+              <a:srgbClr val="2C3E50"/>
+            </a:solidFill>
+          </a:ln>
+          <a:extLst>
+            <a:ext uri="{909E8E84-426E-40DD-AFC4-6F175D3DCCD1}">
+              <a14:hiddenFill xmlns:a14="http://schemas.microsoft.com/office/drawing/2010/main">
+                <a:solidFill>
+                  <a:schemeClr val="accent1"/>
+                </a:solidFill>
+              </a14:hiddenFill>
+            </a:ext>
+          </a:extLst>
+        </p:spPr>
+        <p:style>
+          <a:lnRef idx="2">
+            <a:schemeClr val="accent1">
+              <a:shade val="50000"/>
+            </a:schemeClr>
+          </a:lnRef>
+          <a:fillRef idx="1">
+            <a:schemeClr val="accent1"/>
+          </a:fillRef>
+          <a:effectRef idx="0">
+            <a:schemeClr val="accent1"/>
+          </a:effectRef>
+          <a:fontRef idx="minor">
+            <a:schemeClr val="lt1"/>
+          </a:fontRef>
+        </p:style>
+        <p:txBody>
+          <a:bodyPr rtlCol="0" anchor="ctr"/>
+          <a:p>
+            <a:pPr algn="ctr"/>
+            <a:r>
+              <a:rPr lang="zh-CN" altLang="en-US" sz="1200" b="1">
+                <a:solidFill>
+                  <a:srgbClr val="2C3E50"/>
+                </a:solidFill>
+              </a:rPr>
+              <a:t>使能相应的事件</a:t>
+            </a:r>
+            <a:endParaRPr lang="zh-CN" altLang="en-US" sz="1200" b="1">
+              <a:solidFill>
+                <a:srgbClr val="2C3E50"/>
+              </a:solidFill>
+            </a:endParaRPr>
+          </a:p>
+        </p:txBody>
+      </p:sp>
+      <p:sp>
+        <p:nvSpPr>
+          <p:cNvPr id="22" name="Text Box 21"/>
+          <p:cNvSpPr txBox="true"/>
+          <p:nvPr/>
+        </p:nvSpPr>
+        <p:spPr>
+          <a:xfrm>
+            <a:off x="3835400" y="2412365"/>
+            <a:ext cx="2634615" cy="275590"/>
+          </a:xfrm>
+          <a:prstGeom prst="rect">
+            <a:avLst/>
+          </a:prstGeom>
+          <a:noFill/>
+        </p:spPr>
+        <p:txBody>
+          <a:bodyPr wrap="square" rtlCol="0" anchor="t">
+            <a:spAutoFit/>
+          </a:bodyPr>
+          <a:p>
+            <a:r>
+              <a:rPr lang="en-US" sz="1200" b="1">
+                <a:solidFill>
+                  <a:srgbClr val="2C3E50"/>
+                </a:solidFill>
+              </a:rPr>
+              <a:t>调用pmu-&gt;event_init(event)</a:t>
+            </a:r>
+            <a:endParaRPr lang="en-US" sz="1200" b="1">
+              <a:solidFill>
+                <a:srgbClr val="2C3E50"/>
+              </a:solidFill>
+            </a:endParaRPr>
+          </a:p>
+        </p:txBody>
+      </p:sp>
+      <p:sp>
+        <p:nvSpPr>
+          <p:cNvPr id="8" name="Snip Single Corner Rectangle 7"/>
+          <p:cNvSpPr/>
+          <p:nvPr/>
+        </p:nvSpPr>
+        <p:spPr>
+          <a:xfrm>
+            <a:off x="8055610" y="2573655"/>
+            <a:ext cx="1356360" cy="359410"/>
+          </a:xfrm>
+          <a:prstGeom prst="snip1Rect">
+            <a:avLst/>
+          </a:prstGeom>
+          <a:noFill/>
+          <a:ln w="38100">
+            <a:solidFill>
+              <a:srgbClr val="2C3E50"/>
+            </a:solidFill>
+          </a:ln>
+          <a:extLst>
+            <a:ext uri="{909E8E84-426E-40DD-AFC4-6F175D3DCCD1}">
+              <a14:hiddenFill xmlns:a14="http://schemas.microsoft.com/office/drawing/2010/main">
+                <a:solidFill>
+                  <a:schemeClr val="accent1"/>
+                </a:solidFill>
+              </a14:hiddenFill>
+            </a:ext>
+          </a:extLst>
+        </p:spPr>
+        <p:style>
+          <a:lnRef idx="2">
+            <a:schemeClr val="accent1">
+              <a:shade val="50000"/>
+            </a:schemeClr>
+          </a:lnRef>
+          <a:fillRef idx="1">
+            <a:schemeClr val="accent1"/>
+          </a:fillRef>
+          <a:effectRef idx="0">
+            <a:schemeClr val="accent1"/>
+          </a:effectRef>
+          <a:fontRef idx="minor">
+            <a:schemeClr val="lt1"/>
+          </a:fontRef>
+        </p:style>
+        <p:txBody>
+          <a:bodyPr rtlCol="0" anchor="ctr"/>
+          <a:p>
+            <a:pPr algn="ctr"/>
+            <a:r>
+              <a:rPr lang="en-US" altLang="en-US" sz="1400" b="1">
+                <a:solidFill>
+                  <a:srgbClr val="2C3E50"/>
+                </a:solidFill>
+              </a:rPr>
+              <a:t>perf_event</a:t>
+            </a:r>
+            <a:endParaRPr lang="en-US" altLang="en-US" sz="1400" b="1">
+              <a:solidFill>
+                <a:srgbClr val="2C3E50"/>
+              </a:solidFill>
+            </a:endParaRPr>
+          </a:p>
+        </p:txBody>
+      </p:sp>
+      <p:sp>
+        <p:nvSpPr>
+          <p:cNvPr id="9" name="Text Box 8"/>
+          <p:cNvSpPr txBox="true"/>
+          <p:nvPr/>
+        </p:nvSpPr>
+        <p:spPr>
+          <a:xfrm>
+            <a:off x="7221855" y="1134745"/>
+            <a:ext cx="3023870" cy="460375"/>
+          </a:xfrm>
+          <a:prstGeom prst="rect">
+            <a:avLst/>
+          </a:prstGeom>
+          <a:noFill/>
+        </p:spPr>
+        <p:txBody>
+          <a:bodyPr wrap="none" rtlCol="0">
+            <a:spAutoFit/>
+          </a:bodyPr>
+          <a:p>
+            <a:pPr algn="l"/>
+            <a:r>
+              <a:rPr lang="en-US" sz="2400" b="1">
+                <a:solidFill>
+                  <a:srgbClr val="2C3E50"/>
+                </a:solidFill>
+              </a:rPr>
+              <a:t>perf_event_open</a:t>
+            </a:r>
+            <a:endParaRPr lang="en-US" sz="2400" b="1">
+              <a:solidFill>
+                <a:srgbClr val="2C3E50"/>
+              </a:solidFill>
+            </a:endParaRPr>
+          </a:p>
+        </p:txBody>
+      </p:sp>
+      <p:cxnSp>
+        <p:nvCxnSpPr>
+          <p:cNvPr id="10" name="Straight Arrow Connector 9"/>
+          <p:cNvCxnSpPr>
+            <a:stCxn id="23" idx="2"/>
+            <a:endCxn id="8" idx="3"/>
+          </p:cNvCxnSpPr>
+          <p:nvPr/>
+        </p:nvCxnSpPr>
+        <p:spPr>
+          <a:xfrm>
+            <a:off x="8733790" y="2312035"/>
+            <a:ext cx="0" cy="261620"/>
+          </a:xfrm>
+          <a:prstGeom prst="straightConnector1">
+            <a:avLst/>
+          </a:prstGeom>
+          <a:ln w="38100">
+            <a:solidFill>
+              <a:srgbClr val="3EAF7C"/>
+            </a:solidFill>
+            <a:tailEnd type="arrow"/>
+          </a:ln>
+        </p:spPr>
+        <p:style>
+          <a:lnRef idx="1">
+            <a:schemeClr val="accent1"/>
+          </a:lnRef>
+          <a:fillRef idx="0">
+            <a:schemeClr val="accent1"/>
+          </a:fillRef>
+          <a:effectRef idx="0">
+            <a:schemeClr val="accent1"/>
+          </a:effectRef>
+          <a:fontRef idx="minor">
+            <a:schemeClr val="tx1"/>
+          </a:fontRef>
+        </p:style>
+      </p:cxnSp>
+      <p:cxnSp>
+        <p:nvCxnSpPr>
+          <p:cNvPr id="11" name="Straight Arrow Connector 10"/>
+          <p:cNvCxnSpPr>
+            <a:stCxn id="8" idx="2"/>
+            <a:endCxn id="19" idx="3"/>
+          </p:cNvCxnSpPr>
+          <p:nvPr/>
+        </p:nvCxnSpPr>
+        <p:spPr>
+          <a:xfrm flipH="true">
+            <a:off x="3587115" y="2753360"/>
+            <a:ext cx="4468495" cy="0"/>
+          </a:xfrm>
+          <a:prstGeom prst="straightConnector1">
+            <a:avLst/>
+          </a:prstGeom>
+          <a:ln w="38100">
+            <a:solidFill>
+              <a:srgbClr val="3EAF7C"/>
+            </a:solidFill>
+            <a:tailEnd type="arrow"/>
+          </a:ln>
+        </p:spPr>
+        <p:style>
+          <a:lnRef idx="1">
+            <a:schemeClr val="accent1"/>
+          </a:lnRef>
+          <a:fillRef idx="0">
+            <a:schemeClr val="accent1"/>
+          </a:fillRef>
+          <a:effectRef idx="0">
+            <a:schemeClr val="accent1"/>
+          </a:effectRef>
+          <a:fontRef idx="minor">
+            <a:schemeClr val="tx1"/>
+          </a:fontRef>
+        </p:style>
+      </p:cxnSp>
+      <p:cxnSp>
+        <p:nvCxnSpPr>
+          <p:cNvPr id="12" name="Straight Arrow Connector 11"/>
+          <p:cNvCxnSpPr>
+            <a:stCxn id="19" idx="2"/>
+            <a:endCxn id="7" idx="0"/>
+          </p:cNvCxnSpPr>
+          <p:nvPr/>
+        </p:nvCxnSpPr>
+        <p:spPr>
+          <a:xfrm>
+            <a:off x="2378075" y="3094355"/>
+            <a:ext cx="0" cy="459105"/>
+          </a:xfrm>
+          <a:prstGeom prst="straightConnector1">
+            <a:avLst/>
+          </a:prstGeom>
+          <a:ln w="38100">
+            <a:solidFill>
+              <a:srgbClr val="3EAF7C"/>
+            </a:solidFill>
+            <a:tailEnd type="arrow"/>
+          </a:ln>
+        </p:spPr>
+        <p:style>
+          <a:lnRef idx="1">
+            <a:schemeClr val="accent1"/>
+          </a:lnRef>
+          <a:fillRef idx="0">
+            <a:schemeClr val="accent1"/>
+          </a:fillRef>
+          <a:effectRef idx="0">
+            <a:schemeClr val="accent1"/>
+          </a:effectRef>
+          <a:fontRef idx="minor">
+            <a:schemeClr val="tx1"/>
+          </a:fontRef>
+        </p:style>
+      </p:cxnSp>
+      <p:sp>
+        <p:nvSpPr>
+          <p:cNvPr id="13" name="Rectangle 12"/>
+          <p:cNvSpPr/>
+          <p:nvPr/>
+        </p:nvSpPr>
+        <p:spPr>
+          <a:xfrm>
+            <a:off x="1544955" y="4619625"/>
+            <a:ext cx="1666240" cy="681990"/>
+          </a:xfrm>
+          <a:prstGeom prst="rect">
+            <a:avLst/>
+          </a:prstGeom>
+          <a:noFill/>
+          <a:ln w="38100">
+            <a:solidFill>
+              <a:srgbClr val="2C3E50"/>
+            </a:solidFill>
+          </a:ln>
+          <a:extLst>
+            <a:ext uri="{909E8E84-426E-40DD-AFC4-6F175D3DCCD1}">
+              <a14:hiddenFill xmlns:a14="http://schemas.microsoft.com/office/drawing/2010/main">
+                <a:solidFill>
+                  <a:schemeClr val="accent1"/>
+                </a:solidFill>
+              </a14:hiddenFill>
+            </a:ext>
+          </a:extLst>
+        </p:spPr>
+        <p:style>
+          <a:lnRef idx="2">
+            <a:schemeClr val="accent1">
+              <a:shade val="50000"/>
+            </a:schemeClr>
+          </a:lnRef>
+          <a:fillRef idx="1">
+            <a:schemeClr val="accent1"/>
+          </a:fillRef>
+          <a:effectRef idx="0">
+            <a:schemeClr val="accent1"/>
+          </a:effectRef>
+          <a:fontRef idx="minor">
+            <a:schemeClr val="lt1"/>
+          </a:fontRef>
+        </p:style>
+        <p:txBody>
+          <a:bodyPr rtlCol="0" anchor="ctr"/>
+          <a:p>
+            <a:pPr algn="ctr"/>
+            <a:r>
+              <a:rPr lang="zh-CN" altLang="" b="1">
+                <a:solidFill>
+                  <a:srgbClr val="2C3E50"/>
+                </a:solidFill>
+              </a:rPr>
+              <a:t>启动定时器</a:t>
+            </a:r>
+            <a:endParaRPr lang="zh-CN" altLang="" b="1">
+              <a:solidFill>
+                <a:srgbClr val="2C3E50"/>
+              </a:solidFill>
+            </a:endParaRPr>
+          </a:p>
+        </p:txBody>
+      </p:sp>
+      <p:sp>
+        <p:nvSpPr>
+          <p:cNvPr id="23" name="Text Box 22"/>
+          <p:cNvSpPr txBox="true"/>
+          <p:nvPr/>
+        </p:nvSpPr>
+        <p:spPr>
+          <a:xfrm>
+            <a:off x="6854190" y="2036445"/>
+            <a:ext cx="3758565" cy="275590"/>
+          </a:xfrm>
+          <a:prstGeom prst="rect">
+            <a:avLst/>
+          </a:prstGeom>
+          <a:noFill/>
+        </p:spPr>
+        <p:txBody>
+          <a:bodyPr wrap="none" rtlCol="0">
+            <a:spAutoFit/>
+          </a:bodyPr>
+          <a:p>
+            <a:pPr algn="l"/>
+            <a:r>
+              <a:rPr lang="zh-CN" altLang="en-US" sz="1200" b="1">
+                <a:solidFill>
+                  <a:srgbClr val="2C3E50"/>
+                </a:solidFill>
+              </a:rPr>
+              <a:t>把</a:t>
+            </a:r>
+            <a:r>
+              <a:rPr lang="en-US" altLang="zh-CN" sz="1200" b="1">
+                <a:solidFill>
+                  <a:srgbClr val="2C3E50"/>
+                </a:solidFill>
+              </a:rPr>
+              <a:t>perf_</a:t>
+            </a:r>
+            <a:r>
+              <a:rPr lang="en-US" altLang="en-US" sz="1200" b="1">
+                <a:solidFill>
+                  <a:srgbClr val="2C3E50"/>
+                </a:solidFill>
+              </a:rPr>
+              <a:t>event安装到CPU </a:t>
+            </a:r>
+            <a:r>
+              <a:rPr lang="en-US" altLang="en-US" sz="1200" b="1">
+                <a:solidFill>
+                  <a:srgbClr val="2C3E50"/>
+                </a:solidFill>
+                <a:sym typeface="+mn-ea"/>
+              </a:rPr>
+              <a:t>perf_event_context</a:t>
+            </a:r>
+            <a:endParaRPr lang="en-US" altLang="en-US" sz="1200" b="1">
+              <a:solidFill>
+                <a:srgbClr val="2C3E50"/>
+              </a:solidFill>
+            </a:endParaRPr>
+          </a:p>
+        </p:txBody>
+      </p:sp>
+      <p:cxnSp>
+        <p:nvCxnSpPr>
+          <p:cNvPr id="24" name="Straight Arrow Connector 23"/>
+          <p:cNvCxnSpPr>
+            <a:endCxn id="23" idx="0"/>
+          </p:cNvCxnSpPr>
+          <p:nvPr/>
+        </p:nvCxnSpPr>
+        <p:spPr>
+          <a:xfrm flipH="true">
+            <a:off x="8733790" y="1520190"/>
+            <a:ext cx="635" cy="516255"/>
+          </a:xfrm>
+          <a:prstGeom prst="straightConnector1">
+            <a:avLst/>
+          </a:prstGeom>
+          <a:ln w="38100">
+            <a:solidFill>
+              <a:srgbClr val="3EAF7C"/>
+            </a:solidFill>
+            <a:tailEnd type="arrow"/>
+          </a:ln>
+        </p:spPr>
+        <p:style>
+          <a:lnRef idx="1">
+            <a:schemeClr val="accent1"/>
+          </a:lnRef>
+          <a:fillRef idx="0">
+            <a:schemeClr val="accent1"/>
+          </a:fillRef>
+          <a:effectRef idx="0">
+            <a:schemeClr val="accent1"/>
+          </a:effectRef>
+          <a:fontRef idx="minor">
+            <a:schemeClr val="tx1"/>
+          </a:fontRef>
+        </p:style>
+      </p:cxnSp>
+      <p:sp>
+        <p:nvSpPr>
+          <p:cNvPr id="3" name="Rectangle 2"/>
+          <p:cNvSpPr/>
+          <p:nvPr/>
+        </p:nvSpPr>
+        <p:spPr>
+          <a:xfrm>
+            <a:off x="7901305" y="4619625"/>
+            <a:ext cx="1666240" cy="681990"/>
+          </a:xfrm>
+          <a:prstGeom prst="rect">
+            <a:avLst/>
+          </a:prstGeom>
+          <a:noFill/>
+          <a:ln w="38100">
+            <a:solidFill>
+              <a:srgbClr val="2C3E50"/>
+            </a:solidFill>
+          </a:ln>
+          <a:extLst>
+            <a:ext uri="{909E8E84-426E-40DD-AFC4-6F175D3DCCD1}">
+              <a14:hiddenFill xmlns:a14="http://schemas.microsoft.com/office/drawing/2010/main">
+                <a:solidFill>
+                  <a:schemeClr val="accent1"/>
+                </a:solidFill>
+              </a14:hiddenFill>
+            </a:ext>
+          </a:extLst>
+        </p:spPr>
+        <p:style>
+          <a:lnRef idx="2">
+            <a:schemeClr val="accent1">
+              <a:shade val="50000"/>
+            </a:schemeClr>
+          </a:lnRef>
+          <a:fillRef idx="1">
+            <a:schemeClr val="accent1"/>
+          </a:fillRef>
+          <a:effectRef idx="0">
+            <a:schemeClr val="accent1"/>
+          </a:effectRef>
+          <a:fontRef idx="minor">
+            <a:schemeClr val="lt1"/>
+          </a:fontRef>
+        </p:style>
+        <p:txBody>
+          <a:bodyPr rtlCol="0" anchor="ctr"/>
+          <a:p>
+            <a:pPr algn="ctr"/>
+            <a:r>
+              <a:rPr lang="en-US" altLang="en-US" b="1">
+                <a:solidFill>
+                  <a:srgbClr val="2C3E50"/>
+                </a:solidFill>
+              </a:rPr>
+              <a:t>CPU</a:t>
+            </a:r>
+            <a:endParaRPr lang="en-US" altLang="en-US" b="1">
+              <a:solidFill>
+                <a:srgbClr val="2C3E50"/>
+              </a:solidFill>
+            </a:endParaRPr>
+          </a:p>
+          <a:p>
+            <a:pPr algn="ctr"/>
+            <a:r>
+              <a:rPr lang="en-US" altLang="en-US" b="1">
+                <a:solidFill>
+                  <a:srgbClr val="2C3E50"/>
+                </a:solidFill>
+                <a:sym typeface="+mn-ea"/>
+              </a:rPr>
+              <a:t>.</a:t>
+            </a:r>
+            <a:r>
+              <a:rPr lang="en-US" altLang="en-US" sz="1000" b="1">
+                <a:solidFill>
+                  <a:srgbClr val="2C3E50"/>
+                </a:solidFill>
+                <a:sym typeface="+mn-ea"/>
+              </a:rPr>
+              <a:t>perf_event_context</a:t>
+            </a:r>
+            <a:endParaRPr lang="en-US" altLang="en-US" b="1">
+              <a:solidFill>
+                <a:srgbClr val="2C3E50"/>
+              </a:solidFill>
+            </a:endParaRPr>
+          </a:p>
+        </p:txBody>
+      </p:sp>
+      <p:cxnSp>
+        <p:nvCxnSpPr>
+          <p:cNvPr id="5" name="Elbow Connector 4"/>
+          <p:cNvCxnSpPr>
+            <a:stCxn id="23" idx="3"/>
+            <a:endCxn id="3" idx="3"/>
+          </p:cNvCxnSpPr>
+          <p:nvPr/>
+        </p:nvCxnSpPr>
+        <p:spPr>
+          <a:xfrm flipH="true">
+            <a:off x="9567545" y="2174240"/>
+            <a:ext cx="1045210" cy="2786380"/>
+          </a:xfrm>
+          <a:prstGeom prst="bentConnector3">
+            <a:avLst>
+              <a:gd name="adj1" fmla="val -22783"/>
+            </a:avLst>
+          </a:prstGeom>
+          <a:ln w="38100">
+            <a:solidFill>
+              <a:srgbClr val="3EAF7C"/>
+            </a:solidFill>
+            <a:tailEnd type="arrow"/>
+          </a:ln>
+        </p:spPr>
+        <p:style>
+          <a:lnRef idx="1">
+            <a:schemeClr val="accent1"/>
+          </a:lnRef>
+          <a:fillRef idx="0">
+            <a:schemeClr val="accent1"/>
+          </a:fillRef>
+          <a:effectRef idx="0">
+            <a:schemeClr val="accent1"/>
+          </a:effectRef>
+          <a:fontRef idx="minor">
+            <a:schemeClr val="tx1"/>
+          </a:fontRef>
+        </p:style>
+      </p:cxnSp>
+      <p:cxnSp>
+        <p:nvCxnSpPr>
+          <p:cNvPr id="6" name="Straight Arrow Connector 5"/>
+          <p:cNvCxnSpPr>
+            <a:stCxn id="7" idx="2"/>
+            <a:endCxn id="13" idx="0"/>
+          </p:cNvCxnSpPr>
+          <p:nvPr/>
+        </p:nvCxnSpPr>
+        <p:spPr>
+          <a:xfrm>
+            <a:off x="2378075" y="3827145"/>
+            <a:ext cx="0" cy="792480"/>
+          </a:xfrm>
+          <a:prstGeom prst="straightConnector1">
+            <a:avLst/>
+          </a:prstGeom>
+          <a:ln w="38100">
+            <a:solidFill>
+              <a:srgbClr val="3EAF7C"/>
+            </a:solidFill>
+            <a:tailEnd type="arrow"/>
+          </a:ln>
+        </p:spPr>
+        <p:style>
+          <a:lnRef idx="1">
+            <a:schemeClr val="accent1"/>
+          </a:lnRef>
+          <a:fillRef idx="0">
+            <a:schemeClr val="accent1"/>
+          </a:fillRef>
+          <a:effectRef idx="0">
+            <a:schemeClr val="accent1"/>
+          </a:effectRef>
+          <a:fontRef idx="minor">
+            <a:schemeClr val="tx1"/>
+          </a:fontRef>
+        </p:style>
+      </p:cxnSp>
+      <p:cxnSp>
+        <p:nvCxnSpPr>
+          <p:cNvPr id="14" name="Straight Arrow Connector 13"/>
+          <p:cNvCxnSpPr>
+            <a:stCxn id="13" idx="3"/>
+            <a:endCxn id="3" idx="1"/>
+          </p:cNvCxnSpPr>
+          <p:nvPr/>
+        </p:nvCxnSpPr>
+        <p:spPr>
+          <a:xfrm>
+            <a:off x="3211195" y="4960620"/>
+            <a:ext cx="4690110" cy="0"/>
+          </a:xfrm>
+          <a:prstGeom prst="straightConnector1">
+            <a:avLst/>
+          </a:prstGeom>
+          <a:ln w="38100">
+            <a:solidFill>
+              <a:srgbClr val="C00000"/>
+            </a:solidFill>
+            <a:tailEnd type="arrow"/>
+          </a:ln>
+        </p:spPr>
+        <p:style>
+          <a:lnRef idx="1">
+            <a:schemeClr val="accent1"/>
+          </a:lnRef>
+          <a:fillRef idx="0">
+            <a:schemeClr val="accent1"/>
+          </a:fillRef>
+          <a:effectRef idx="0">
+            <a:schemeClr val="accent1"/>
+          </a:effectRef>
+          <a:fontRef idx="minor">
+            <a:schemeClr val="tx1"/>
+          </a:fontRef>
+        </p:style>
+      </p:cxnSp>
+    </p:spTree>
+  </p:cSld>
+  <p:clrMapOvr>
+    <a:masterClrMapping/>
+  </p:clrMapOvr>
+</p:sld>
+</file>
+
+<file path=ppt/slides/slide16.xml><?xml version="1.0" encoding="utf-8"?>
+<p:sld xmlns:a="http://schemas.openxmlformats.org/drawingml/2006/main" xmlns:r="http://schemas.openxmlformats.org/officeDocument/2006/relationships" xmlns:p="http://schemas.openxmlformats.org/presentationml/2006/main">
+  <p:cSld>
+    <p:spTree>
+      <p:nvGrpSpPr>
+        <p:cNvPr id="1" name=""/>
+        <p:cNvGrpSpPr/>
+        <p:nvPr/>
+      </p:nvGrpSpPr>
+      <p:grpSpPr/>
+      <p:sp>
+        <p:nvSpPr>
+          <p:cNvPr id="4" name="Text Box 3"/>
+          <p:cNvSpPr txBox="true"/>
+          <p:nvPr/>
+        </p:nvSpPr>
+        <p:spPr>
+          <a:xfrm>
+            <a:off x="570865" y="447675"/>
+            <a:ext cx="4010025" cy="521970"/>
+          </a:xfrm>
+          <a:prstGeom prst="rect">
+            <a:avLst/>
+          </a:prstGeom>
+          <a:noFill/>
+        </p:spPr>
+        <p:txBody>
+          <a:bodyPr wrap="none" rtlCol="0">
+            <a:spAutoFit/>
+          </a:bodyPr>
+          <a:p>
+            <a:pPr algn="l"/>
+            <a:r>
+              <a:rPr lang="en-US" altLang="en-US" sz="2800" b="1">
+                <a:solidFill>
+                  <a:srgbClr val="2C3E50"/>
+                </a:solidFill>
+              </a:rPr>
+              <a:t>perf / hardware</a:t>
+            </a:r>
+            <a:r>
+              <a:rPr lang="zh-CN" altLang="en-US" sz="2800" b="1">
+                <a:solidFill>
+                  <a:srgbClr val="2C3E50"/>
+                </a:solidFill>
+              </a:rPr>
+              <a:t>原理</a:t>
+            </a:r>
+            <a:endParaRPr lang="zh-CN" altLang="en-US" sz="2800" b="1">
+              <a:solidFill>
+                <a:srgbClr val="2C3E50"/>
+              </a:solidFill>
+            </a:endParaRPr>
+          </a:p>
+        </p:txBody>
+      </p:sp>
+      <p:sp>
+        <p:nvSpPr>
+          <p:cNvPr id="2" name="Rectangle 1"/>
+          <p:cNvSpPr/>
+          <p:nvPr/>
+        </p:nvSpPr>
+        <p:spPr>
+          <a:xfrm>
+            <a:off x="2783840" y="2412365"/>
+            <a:ext cx="2418715" cy="681990"/>
+          </a:xfrm>
+          <a:prstGeom prst="rect">
+            <a:avLst/>
+          </a:prstGeom>
+          <a:noFill/>
+          <a:ln w="38100">
+            <a:solidFill>
+              <a:srgbClr val="2C3E50"/>
+            </a:solidFill>
+          </a:ln>
+          <a:extLst>
+            <a:ext uri="{909E8E84-426E-40DD-AFC4-6F175D3DCCD1}">
+              <a14:hiddenFill xmlns:a14="http://schemas.microsoft.com/office/drawing/2010/main">
+                <a:solidFill>
+                  <a:schemeClr val="accent1"/>
+                </a:solidFill>
+              </a14:hiddenFill>
+            </a:ext>
+          </a:extLst>
+        </p:spPr>
+        <p:style>
+          <a:lnRef idx="2">
+            <a:schemeClr val="accent1">
+              <a:shade val="50000"/>
+            </a:schemeClr>
+          </a:lnRef>
+          <a:fillRef idx="1">
+            <a:schemeClr val="accent1"/>
+          </a:fillRef>
+          <a:effectRef idx="0">
+            <a:schemeClr val="accent1"/>
+          </a:effectRef>
+          <a:fontRef idx="minor">
+            <a:schemeClr val="lt1"/>
+          </a:fontRef>
+        </p:style>
+        <p:txBody>
+          <a:bodyPr rtlCol="0" anchor="ctr"/>
+          <a:p>
+            <a:pPr algn="ctr"/>
+            <a:r>
+              <a:rPr lang="en-US" b="1">
+                <a:solidFill>
+                  <a:srgbClr val="2C3E50"/>
+                </a:solidFill>
+              </a:rPr>
+              <a:t>PMU</a:t>
+            </a:r>
+            <a:endParaRPr lang="en-US" b="1">
+              <a:solidFill>
+                <a:srgbClr val="2C3E50"/>
+              </a:solidFill>
+            </a:endParaRPr>
+          </a:p>
+          <a:p>
+            <a:pPr algn="ctr"/>
+            <a:r>
+              <a:rPr lang="en-US" altLang="en-US" b="1">
+                <a:solidFill>
+                  <a:srgbClr val="2C3E50"/>
+                </a:solidFill>
+                <a:sym typeface="+mn-ea"/>
+              </a:rPr>
+              <a:t>hardware</a:t>
+            </a:r>
+            <a:endParaRPr lang="en-US" altLang="en-US" b="1">
+              <a:solidFill>
+                <a:srgbClr val="2C3E50"/>
+              </a:solidFill>
+            </a:endParaRPr>
+          </a:p>
+        </p:txBody>
+      </p:sp>
+      <p:sp>
+        <p:nvSpPr>
+          <p:cNvPr id="3" name="Rectangle 2"/>
+          <p:cNvSpPr/>
+          <p:nvPr/>
+        </p:nvSpPr>
+        <p:spPr>
+          <a:xfrm>
+            <a:off x="1362075" y="4609465"/>
+            <a:ext cx="2426970" cy="832485"/>
+          </a:xfrm>
+          <a:prstGeom prst="rect">
+            <a:avLst/>
+          </a:prstGeom>
+          <a:noFill/>
+          <a:ln w="38100">
+            <a:solidFill>
+              <a:srgbClr val="2C3E50"/>
+            </a:solidFill>
+          </a:ln>
+          <a:extLst>
+            <a:ext uri="{909E8E84-426E-40DD-AFC4-6F175D3DCCD1}">
+              <a14:hiddenFill xmlns:a14="http://schemas.microsoft.com/office/drawing/2010/main">
+                <a:solidFill>
+                  <a:schemeClr val="accent1"/>
+                </a:solidFill>
+              </a14:hiddenFill>
+            </a:ext>
+          </a:extLst>
+        </p:spPr>
+        <p:style>
+          <a:lnRef idx="2">
+            <a:schemeClr val="accent1">
+              <a:shade val="50000"/>
+            </a:schemeClr>
+          </a:lnRef>
+          <a:fillRef idx="1">
+            <a:schemeClr val="accent1"/>
+          </a:fillRef>
+          <a:effectRef idx="0">
+            <a:schemeClr val="accent1"/>
+          </a:effectRef>
+          <a:fontRef idx="minor">
+            <a:schemeClr val="lt1"/>
+          </a:fontRef>
+        </p:style>
+        <p:txBody>
+          <a:bodyPr rtlCol="0" anchor="ctr"/>
+          <a:p>
+            <a:pPr algn="ctr"/>
+            <a:r>
+              <a:rPr lang="" altLang="en-US" b="1">
+                <a:solidFill>
+                  <a:srgbClr val="2C3E50"/>
+                </a:solidFill>
+              </a:rPr>
+              <a:t>cpu counter[1-7]</a:t>
+            </a:r>
+            <a:endParaRPr lang="" altLang="en-US" b="1">
+              <a:solidFill>
+                <a:srgbClr val="2C3E50"/>
+              </a:solidFill>
+            </a:endParaRPr>
+          </a:p>
+          <a:p>
+            <a:pPr algn="ctr"/>
+            <a:r>
+              <a:rPr lang="zh-CN" altLang="" sz="1200" b="1">
+                <a:solidFill>
+                  <a:srgbClr val="2C3E50"/>
+                </a:solidFill>
+              </a:rPr>
+              <a:t>分配一个</a:t>
+            </a:r>
+            <a:r>
+              <a:rPr lang="en-US" altLang="zh-CN" sz="1200" b="1">
+                <a:solidFill>
+                  <a:srgbClr val="2C3E50"/>
+                </a:solidFill>
+              </a:rPr>
+              <a:t> </a:t>
+            </a:r>
+            <a:r>
+              <a:rPr lang="" altLang="en-US" sz="1200" b="1">
+                <a:solidFill>
+                  <a:srgbClr val="2C3E50"/>
+                </a:solidFill>
+              </a:rPr>
+              <a:t>counter</a:t>
+            </a:r>
+            <a:endParaRPr lang="" altLang="en-US" sz="1200" b="1">
+              <a:solidFill>
+                <a:srgbClr val="2C3E50"/>
+              </a:solidFill>
+            </a:endParaRPr>
+          </a:p>
+        </p:txBody>
+      </p:sp>
+      <p:sp>
+        <p:nvSpPr>
+          <p:cNvPr id="7" name="Rectangle 6"/>
+          <p:cNvSpPr/>
+          <p:nvPr/>
+        </p:nvSpPr>
+        <p:spPr>
+          <a:xfrm>
+            <a:off x="1532890" y="2514600"/>
+            <a:ext cx="856615" cy="478155"/>
+          </a:xfrm>
+          <a:prstGeom prst="rect">
+            <a:avLst/>
+          </a:prstGeom>
+          <a:noFill/>
+          <a:ln w="38100">
+            <a:solidFill>
+              <a:srgbClr val="2C3E50"/>
+            </a:solidFill>
+          </a:ln>
+          <a:extLst>
+            <a:ext uri="{909E8E84-426E-40DD-AFC4-6F175D3DCCD1}">
+              <a14:hiddenFill xmlns:a14="http://schemas.microsoft.com/office/drawing/2010/main">
+                <a:solidFill>
+                  <a:schemeClr val="accent1"/>
+                </a:solidFill>
+              </a14:hiddenFill>
+            </a:ext>
+          </a:extLst>
+        </p:spPr>
+        <p:style>
+          <a:lnRef idx="2">
+            <a:schemeClr val="accent1">
+              <a:shade val="50000"/>
+            </a:schemeClr>
+          </a:lnRef>
+          <a:fillRef idx="1">
+            <a:schemeClr val="accent1"/>
+          </a:fillRef>
+          <a:effectRef idx="0">
+            <a:schemeClr val="accent1"/>
+          </a:effectRef>
+          <a:fontRef idx="minor">
+            <a:schemeClr val="lt1"/>
+          </a:fontRef>
+        </p:style>
+        <p:txBody>
+          <a:bodyPr rtlCol="0" anchor="ctr"/>
+          <a:p>
+            <a:pPr algn="ctr"/>
+            <a:r>
+              <a:rPr lang="" sz="1200" b="1">
+                <a:solidFill>
+                  <a:srgbClr val="2C3E50"/>
+                </a:solidFill>
+              </a:rPr>
+              <a:t> </a:t>
+            </a:r>
+            <a:r>
+              <a:rPr lang="zh-CN" altLang="" sz="1200" b="1">
+                <a:solidFill>
+                  <a:srgbClr val="2C3E50"/>
+                </a:solidFill>
+              </a:rPr>
+              <a:t>注册相应的中断</a:t>
+            </a:r>
+            <a:endParaRPr lang="zh-CN" altLang="" sz="1200" b="1">
+              <a:solidFill>
+                <a:srgbClr val="2C3E50"/>
+              </a:solidFill>
+            </a:endParaRPr>
+          </a:p>
+        </p:txBody>
+      </p:sp>
+      <p:sp>
+        <p:nvSpPr>
+          <p:cNvPr id="22" name="Text Box 21"/>
+          <p:cNvSpPr txBox="true"/>
+          <p:nvPr/>
+        </p:nvSpPr>
+        <p:spPr>
+          <a:xfrm>
+            <a:off x="5420995" y="2412365"/>
+            <a:ext cx="2634615" cy="275590"/>
+          </a:xfrm>
+          <a:prstGeom prst="rect">
+            <a:avLst/>
+          </a:prstGeom>
+          <a:noFill/>
+        </p:spPr>
+        <p:txBody>
+          <a:bodyPr wrap="square" rtlCol="0" anchor="t">
+            <a:spAutoFit/>
+          </a:bodyPr>
+          <a:p>
+            <a:r>
+              <a:rPr lang="en-US" sz="1200" b="1">
+                <a:solidFill>
+                  <a:srgbClr val="2C3E50"/>
+                </a:solidFill>
+              </a:rPr>
+              <a:t>调用pmu-&gt;event_init(event)</a:t>
+            </a:r>
+            <a:endParaRPr lang="en-US" sz="1200" b="1">
+              <a:solidFill>
+                <a:srgbClr val="2C3E50"/>
+              </a:solidFill>
+            </a:endParaRPr>
+          </a:p>
+        </p:txBody>
+      </p:sp>
+      <p:sp>
+        <p:nvSpPr>
+          <p:cNvPr id="8" name="Snip Single Corner Rectangle 7"/>
+          <p:cNvSpPr/>
+          <p:nvPr/>
+        </p:nvSpPr>
+        <p:spPr>
+          <a:xfrm>
+            <a:off x="8055610" y="2573655"/>
+            <a:ext cx="1356360" cy="359410"/>
+          </a:xfrm>
+          <a:prstGeom prst="snip1Rect">
+            <a:avLst/>
+          </a:prstGeom>
+          <a:noFill/>
+          <a:ln w="38100">
+            <a:solidFill>
+              <a:srgbClr val="2C3E50"/>
+            </a:solidFill>
+          </a:ln>
+          <a:extLst>
+            <a:ext uri="{909E8E84-426E-40DD-AFC4-6F175D3DCCD1}">
+              <a14:hiddenFill xmlns:a14="http://schemas.microsoft.com/office/drawing/2010/main">
+                <a:solidFill>
+                  <a:schemeClr val="accent1"/>
+                </a:solidFill>
+              </a14:hiddenFill>
+            </a:ext>
+          </a:extLst>
+        </p:spPr>
+        <p:style>
+          <a:lnRef idx="2">
+            <a:schemeClr val="accent1">
+              <a:shade val="50000"/>
+            </a:schemeClr>
+          </a:lnRef>
+          <a:fillRef idx="1">
+            <a:schemeClr val="accent1"/>
+          </a:fillRef>
+          <a:effectRef idx="0">
+            <a:schemeClr val="accent1"/>
+          </a:effectRef>
+          <a:fontRef idx="minor">
+            <a:schemeClr val="lt1"/>
+          </a:fontRef>
+        </p:style>
+        <p:txBody>
+          <a:bodyPr rtlCol="0" anchor="ctr"/>
+          <a:p>
+            <a:pPr algn="ctr"/>
+            <a:r>
+              <a:rPr lang="en-US" altLang="en-US" sz="1400" b="1">
+                <a:solidFill>
+                  <a:srgbClr val="2C3E50"/>
+                </a:solidFill>
+              </a:rPr>
+              <a:t>perf_event</a:t>
+            </a:r>
+            <a:endParaRPr lang="en-US" altLang="en-US" sz="1400" b="1">
+              <a:solidFill>
+                <a:srgbClr val="2C3E50"/>
+              </a:solidFill>
+            </a:endParaRPr>
+          </a:p>
+        </p:txBody>
+      </p:sp>
+      <p:sp>
+        <p:nvSpPr>
+          <p:cNvPr id="9" name="Text Box 8"/>
+          <p:cNvSpPr txBox="true"/>
+          <p:nvPr/>
+        </p:nvSpPr>
+        <p:spPr>
+          <a:xfrm>
+            <a:off x="7221855" y="1134745"/>
+            <a:ext cx="3023870" cy="460375"/>
+          </a:xfrm>
+          <a:prstGeom prst="rect">
+            <a:avLst/>
+          </a:prstGeom>
+          <a:noFill/>
+        </p:spPr>
+        <p:txBody>
+          <a:bodyPr wrap="none" rtlCol="0">
+            <a:spAutoFit/>
+          </a:bodyPr>
+          <a:p>
+            <a:pPr algn="l"/>
+            <a:r>
+              <a:rPr lang="en-US" sz="2400" b="1">
+                <a:solidFill>
+                  <a:srgbClr val="2C3E50"/>
+                </a:solidFill>
+              </a:rPr>
+              <a:t>perf_event_open</a:t>
+            </a:r>
+            <a:endParaRPr lang="en-US" sz="2400" b="1">
+              <a:solidFill>
+                <a:srgbClr val="2C3E50"/>
+              </a:solidFill>
+            </a:endParaRPr>
+          </a:p>
+        </p:txBody>
+      </p:sp>
+      <p:cxnSp>
+        <p:nvCxnSpPr>
+          <p:cNvPr id="10" name="Straight Arrow Connector 9"/>
+          <p:cNvCxnSpPr>
+            <a:stCxn id="23" idx="2"/>
+            <a:endCxn id="8" idx="3"/>
+          </p:cNvCxnSpPr>
+          <p:nvPr/>
+        </p:nvCxnSpPr>
+        <p:spPr>
+          <a:xfrm flipH="true">
+            <a:off x="8733790" y="2312035"/>
+            <a:ext cx="635" cy="261620"/>
+          </a:xfrm>
+          <a:prstGeom prst="straightConnector1">
+            <a:avLst/>
+          </a:prstGeom>
+          <a:ln w="38100">
+            <a:solidFill>
+              <a:srgbClr val="3EAF7C"/>
+            </a:solidFill>
+            <a:tailEnd type="arrow"/>
+          </a:ln>
+        </p:spPr>
+        <p:style>
+          <a:lnRef idx="1">
+            <a:schemeClr val="accent1"/>
+          </a:lnRef>
+          <a:fillRef idx="0">
+            <a:schemeClr val="accent1"/>
+          </a:fillRef>
+          <a:effectRef idx="0">
+            <a:schemeClr val="accent1"/>
+          </a:effectRef>
+          <a:fontRef idx="minor">
+            <a:schemeClr val="tx1"/>
+          </a:fontRef>
+        </p:style>
+      </p:cxnSp>
+      <p:cxnSp>
+        <p:nvCxnSpPr>
+          <p:cNvPr id="11" name="Straight Arrow Connector 10"/>
+          <p:cNvCxnSpPr>
+            <a:stCxn id="8" idx="2"/>
+            <a:endCxn id="2" idx="3"/>
+          </p:cNvCxnSpPr>
+          <p:nvPr/>
+        </p:nvCxnSpPr>
+        <p:spPr>
+          <a:xfrm flipH="true">
+            <a:off x="5202555" y="2753360"/>
+            <a:ext cx="2853055" cy="0"/>
+          </a:xfrm>
+          <a:prstGeom prst="straightConnector1">
+            <a:avLst/>
+          </a:prstGeom>
+          <a:ln w="38100">
+            <a:solidFill>
+              <a:srgbClr val="3EAF7C"/>
+            </a:solidFill>
+            <a:tailEnd type="arrow"/>
+          </a:ln>
+        </p:spPr>
+        <p:style>
+          <a:lnRef idx="1">
+            <a:schemeClr val="accent1"/>
+          </a:lnRef>
+          <a:fillRef idx="0">
+            <a:schemeClr val="accent1"/>
+          </a:fillRef>
+          <a:effectRef idx="0">
+            <a:schemeClr val="accent1"/>
+          </a:effectRef>
+          <a:fontRef idx="minor">
+            <a:schemeClr val="tx1"/>
+          </a:fontRef>
+        </p:style>
+      </p:cxnSp>
+      <p:cxnSp>
+        <p:nvCxnSpPr>
+          <p:cNvPr id="12" name="Straight Arrow Connector 11"/>
+          <p:cNvCxnSpPr>
+            <a:stCxn id="2" idx="1"/>
+            <a:endCxn id="7" idx="3"/>
+          </p:cNvCxnSpPr>
+          <p:nvPr/>
+        </p:nvCxnSpPr>
+        <p:spPr>
+          <a:xfrm flipH="true">
+            <a:off x="2389505" y="2753360"/>
+            <a:ext cx="394335" cy="635"/>
+          </a:xfrm>
+          <a:prstGeom prst="straightConnector1">
+            <a:avLst/>
+          </a:prstGeom>
+          <a:ln w="38100">
+            <a:solidFill>
+              <a:srgbClr val="3EAF7C"/>
+            </a:solidFill>
+            <a:tailEnd type="arrow"/>
+          </a:ln>
+        </p:spPr>
+        <p:style>
+          <a:lnRef idx="1">
+            <a:schemeClr val="accent1"/>
+          </a:lnRef>
+          <a:fillRef idx="0">
+            <a:schemeClr val="accent1"/>
+          </a:fillRef>
+          <a:effectRef idx="0">
+            <a:schemeClr val="accent1"/>
+          </a:effectRef>
+          <a:fontRef idx="minor">
+            <a:schemeClr val="tx1"/>
+          </a:fontRef>
+        </p:style>
+      </p:cxnSp>
+      <p:sp>
+        <p:nvSpPr>
+          <p:cNvPr id="15" name="Rectangle 14"/>
+          <p:cNvSpPr/>
+          <p:nvPr/>
+        </p:nvSpPr>
+        <p:spPr>
+          <a:xfrm>
+            <a:off x="8288655" y="4919345"/>
+            <a:ext cx="2426970" cy="522605"/>
+          </a:xfrm>
+          <a:prstGeom prst="rect">
+            <a:avLst/>
+          </a:prstGeom>
+          <a:noFill/>
+          <a:ln w="38100">
+            <a:solidFill>
+              <a:srgbClr val="2C3E50"/>
+            </a:solidFill>
+          </a:ln>
+          <a:extLst>
+            <a:ext uri="{909E8E84-426E-40DD-AFC4-6F175D3DCCD1}">
+              <a14:hiddenFill xmlns:a14="http://schemas.microsoft.com/office/drawing/2010/main">
+                <a:solidFill>
+                  <a:schemeClr val="accent1"/>
+                </a:solidFill>
+              </a14:hiddenFill>
+            </a:ext>
+          </a:extLst>
+        </p:spPr>
+        <p:style>
+          <a:lnRef idx="2">
+            <a:schemeClr val="accent1">
+              <a:shade val="50000"/>
+            </a:schemeClr>
+          </a:lnRef>
+          <a:fillRef idx="1">
+            <a:schemeClr val="accent1"/>
+          </a:fillRef>
+          <a:effectRef idx="0">
+            <a:schemeClr val="accent1"/>
+          </a:effectRef>
+          <a:fontRef idx="minor">
+            <a:schemeClr val="lt1"/>
+          </a:fontRef>
+        </p:style>
+        <p:txBody>
+          <a:bodyPr rtlCol="0" anchor="ctr"/>
+          <a:p>
+            <a:pPr algn="ctr"/>
+            <a:r>
+              <a:rPr lang="en-US" b="1">
+                <a:solidFill>
+                  <a:srgbClr val="2C3E50"/>
+                </a:solidFill>
+                <a:sym typeface="+mn-ea"/>
+              </a:rPr>
+              <a:t>context_switch</a:t>
+            </a:r>
+            <a:endParaRPr lang="en-US" b="1">
+              <a:solidFill>
+                <a:srgbClr val="2C3E50"/>
+              </a:solidFill>
+            </a:endParaRPr>
+          </a:p>
+        </p:txBody>
+      </p:sp>
+      <p:cxnSp>
+        <p:nvCxnSpPr>
+          <p:cNvPr id="18" name="Elbow Connector 17"/>
+          <p:cNvCxnSpPr>
+            <a:stCxn id="15" idx="3"/>
+            <a:endCxn id="8" idx="0"/>
+          </p:cNvCxnSpPr>
+          <p:nvPr/>
+        </p:nvCxnSpPr>
+        <p:spPr>
+          <a:xfrm flipH="true" flipV="true">
+            <a:off x="9411970" y="2753360"/>
+            <a:ext cx="1303655" cy="2427605"/>
+          </a:xfrm>
+          <a:prstGeom prst="bentConnector3">
+            <a:avLst>
+              <a:gd name="adj1" fmla="val -18266"/>
+            </a:avLst>
+          </a:prstGeom>
+          <a:ln w="38100">
+            <a:solidFill>
+              <a:srgbClr val="FFC000"/>
+            </a:solidFill>
+            <a:tailEnd type="arrow"/>
+          </a:ln>
+        </p:spPr>
+        <p:style>
+          <a:lnRef idx="1">
+            <a:schemeClr val="accent1"/>
+          </a:lnRef>
+          <a:fillRef idx="0">
+            <a:schemeClr val="accent1"/>
+          </a:fillRef>
+          <a:effectRef idx="0">
+            <a:schemeClr val="accent1"/>
+          </a:effectRef>
+          <a:fontRef idx="minor">
+            <a:schemeClr val="tx1"/>
+          </a:fontRef>
+        </p:style>
+      </p:cxnSp>
+      <p:cxnSp>
+        <p:nvCxnSpPr>
+          <p:cNvPr id="20" name="Elbow Connector 19"/>
+          <p:cNvCxnSpPr/>
+          <p:nvPr/>
+        </p:nvCxnSpPr>
+        <p:spPr>
+          <a:xfrm rot="5400000">
+            <a:off x="6283960" y="643255"/>
+            <a:ext cx="161290" cy="4740275"/>
+          </a:xfrm>
+          <a:prstGeom prst="bentConnector3">
+            <a:avLst>
+              <a:gd name="adj1" fmla="val 297047"/>
+            </a:avLst>
+          </a:prstGeom>
+          <a:ln w="38100">
+            <a:solidFill>
+              <a:srgbClr val="FFC000"/>
+            </a:solidFill>
+            <a:tailEnd type="arrow"/>
+          </a:ln>
+        </p:spPr>
+        <p:style>
+          <a:lnRef idx="1">
+            <a:schemeClr val="accent1"/>
+          </a:lnRef>
+          <a:fillRef idx="0">
+            <a:schemeClr val="accent1"/>
+          </a:fillRef>
+          <a:effectRef idx="0">
+            <a:schemeClr val="accent1"/>
+          </a:effectRef>
+          <a:fontRef idx="minor">
+            <a:schemeClr val="tx1"/>
+          </a:fontRef>
+        </p:style>
+      </p:cxnSp>
+      <p:sp>
+        <p:nvSpPr>
+          <p:cNvPr id="23" name="Text Box 22"/>
+          <p:cNvSpPr txBox="true"/>
+          <p:nvPr/>
+        </p:nvSpPr>
+        <p:spPr>
+          <a:xfrm>
+            <a:off x="7399020" y="2036445"/>
+            <a:ext cx="2670175" cy="275590"/>
+          </a:xfrm>
+          <a:prstGeom prst="rect">
+            <a:avLst/>
+          </a:prstGeom>
+          <a:noFill/>
+        </p:spPr>
+        <p:txBody>
+          <a:bodyPr wrap="none" rtlCol="0">
+            <a:spAutoFit/>
+          </a:bodyPr>
+          <a:p>
+            <a:pPr algn="l"/>
+            <a:r>
+              <a:rPr lang="zh-CN" altLang="en-US" sz="1200" b="1">
+                <a:solidFill>
+                  <a:srgbClr val="2C3E50"/>
+                </a:solidFill>
+              </a:rPr>
+              <a:t>把</a:t>
+            </a:r>
+            <a:r>
+              <a:rPr lang="en-US" altLang="zh-CN" sz="1200" b="1">
+                <a:solidFill>
+                  <a:srgbClr val="2C3E50"/>
+                </a:solidFill>
+              </a:rPr>
+              <a:t>perf_</a:t>
+            </a:r>
+            <a:r>
+              <a:rPr lang="en-US" altLang="en-US" sz="1200" b="1">
+                <a:solidFill>
+                  <a:srgbClr val="2C3E50"/>
+                </a:solidFill>
+              </a:rPr>
+              <a:t>event安装到</a:t>
+            </a:r>
+            <a:r>
+              <a:rPr lang="zh-CN" altLang="en-US" sz="1200" b="1">
+                <a:solidFill>
+                  <a:srgbClr val="2C3E50"/>
+                </a:solidFill>
+              </a:rPr>
+              <a:t>进程</a:t>
+            </a:r>
+            <a:r>
+              <a:rPr lang="en-US" altLang="en-US" sz="1200" b="1">
+                <a:solidFill>
+                  <a:srgbClr val="2C3E50"/>
+                </a:solidFill>
+              </a:rPr>
+              <a:t>context</a:t>
+            </a:r>
+            <a:endParaRPr lang="en-US" altLang="en-US" sz="1200" b="1">
+              <a:solidFill>
+                <a:srgbClr val="2C3E50"/>
+              </a:solidFill>
+            </a:endParaRPr>
+          </a:p>
+        </p:txBody>
+      </p:sp>
+      <p:cxnSp>
+        <p:nvCxnSpPr>
+          <p:cNvPr id="24" name="Straight Arrow Connector 23"/>
+          <p:cNvCxnSpPr>
+            <a:endCxn id="23" idx="0"/>
+          </p:cNvCxnSpPr>
+          <p:nvPr/>
+        </p:nvCxnSpPr>
+        <p:spPr>
+          <a:xfrm flipH="true">
+            <a:off x="8734425" y="1520190"/>
+            <a:ext cx="635" cy="516255"/>
+          </a:xfrm>
+          <a:prstGeom prst="straightConnector1">
+            <a:avLst/>
+          </a:prstGeom>
+          <a:ln w="38100">
+            <a:solidFill>
+              <a:srgbClr val="3EAF7C"/>
+            </a:solidFill>
+            <a:tailEnd type="arrow"/>
+          </a:ln>
+        </p:spPr>
+        <p:style>
+          <a:lnRef idx="1">
+            <a:schemeClr val="accent1"/>
+          </a:lnRef>
+          <a:fillRef idx="0">
+            <a:schemeClr val="accent1"/>
+          </a:fillRef>
+          <a:effectRef idx="0">
+            <a:schemeClr val="accent1"/>
+          </a:effectRef>
+          <a:fontRef idx="minor">
+            <a:schemeClr val="tx1"/>
+          </a:fontRef>
+        </p:style>
+      </p:cxnSp>
+      <p:sp>
+        <p:nvSpPr>
+          <p:cNvPr id="25" name="Rectangle 24"/>
+          <p:cNvSpPr/>
+          <p:nvPr/>
+        </p:nvSpPr>
+        <p:spPr>
+          <a:xfrm>
+            <a:off x="8288655" y="4144645"/>
+            <a:ext cx="1666240" cy="681990"/>
+          </a:xfrm>
+          <a:prstGeom prst="rect">
+            <a:avLst/>
+          </a:prstGeom>
+          <a:noFill/>
+          <a:ln w="38100">
+            <a:solidFill>
+              <a:srgbClr val="2C3E50"/>
+            </a:solidFill>
+          </a:ln>
+          <a:extLst>
+            <a:ext uri="{909E8E84-426E-40DD-AFC4-6F175D3DCCD1}">
+              <a14:hiddenFill xmlns:a14="http://schemas.microsoft.com/office/drawing/2010/main">
+                <a:solidFill>
+                  <a:schemeClr val="accent1"/>
+                </a:solidFill>
+              </a14:hiddenFill>
+            </a:ext>
+          </a:extLst>
+        </p:spPr>
+        <p:style>
+          <a:lnRef idx="2">
+            <a:schemeClr val="accent1">
+              <a:shade val="50000"/>
+            </a:schemeClr>
+          </a:lnRef>
+          <a:fillRef idx="1">
+            <a:schemeClr val="accent1"/>
+          </a:fillRef>
+          <a:effectRef idx="0">
+            <a:schemeClr val="accent1"/>
+          </a:effectRef>
+          <a:fontRef idx="minor">
+            <a:schemeClr val="lt1"/>
+          </a:fontRef>
+        </p:style>
+        <p:txBody>
+          <a:bodyPr rtlCol="0" anchor="ctr"/>
+          <a:p>
+            <a:pPr algn="ctr"/>
+            <a:r>
+              <a:rPr lang="en-US" altLang="en-US" b="1">
+                <a:solidFill>
+                  <a:srgbClr val="2C3E50"/>
+                </a:solidFill>
+              </a:rPr>
+              <a:t>process</a:t>
+            </a:r>
+            <a:endParaRPr lang="en-US" altLang="en-US" b="1">
+              <a:solidFill>
+                <a:srgbClr val="2C3E50"/>
+              </a:solidFill>
+            </a:endParaRPr>
+          </a:p>
+          <a:p>
+            <a:pPr algn="ctr"/>
+            <a:r>
+              <a:rPr lang="en-US" altLang="en-US" b="1">
+                <a:solidFill>
+                  <a:srgbClr val="2C3E50"/>
+                </a:solidFill>
+              </a:rPr>
+              <a:t>.</a:t>
+            </a:r>
+            <a:r>
+              <a:rPr lang="en-US" altLang="en-US" sz="1000" b="1">
+                <a:solidFill>
+                  <a:srgbClr val="2C3E50"/>
+                </a:solidFill>
+              </a:rPr>
+              <a:t>perf_event_context</a:t>
+            </a:r>
+            <a:endParaRPr lang="en-US" altLang="en-US" sz="1000" b="1">
+              <a:solidFill>
+                <a:srgbClr val="2C3E50"/>
+              </a:solidFill>
+            </a:endParaRPr>
+          </a:p>
+        </p:txBody>
+      </p:sp>
+      <p:cxnSp>
+        <p:nvCxnSpPr>
+          <p:cNvPr id="26" name="Elbow Connector 25"/>
+          <p:cNvCxnSpPr>
+            <a:stCxn id="23" idx="3"/>
+            <a:endCxn id="25" idx="3"/>
+          </p:cNvCxnSpPr>
+          <p:nvPr/>
+        </p:nvCxnSpPr>
+        <p:spPr>
+          <a:xfrm flipH="true">
+            <a:off x="9954895" y="2174240"/>
+            <a:ext cx="114300" cy="2311400"/>
+          </a:xfrm>
+          <a:prstGeom prst="bentConnector3">
+            <a:avLst>
+              <a:gd name="adj1" fmla="val -208333"/>
+            </a:avLst>
+          </a:prstGeom>
+          <a:ln w="38100">
+            <a:solidFill>
+              <a:srgbClr val="3EAF7C"/>
+            </a:solidFill>
+            <a:tailEnd type="arrow"/>
+          </a:ln>
+        </p:spPr>
+        <p:style>
+          <a:lnRef idx="1">
+            <a:schemeClr val="accent1"/>
+          </a:lnRef>
+          <a:fillRef idx="0">
+            <a:schemeClr val="accent1"/>
+          </a:fillRef>
+          <a:effectRef idx="0">
+            <a:schemeClr val="accent1"/>
+          </a:effectRef>
+          <a:fontRef idx="minor">
+            <a:schemeClr val="tx1"/>
+          </a:fontRef>
+        </p:style>
+      </p:cxnSp>
+      <p:cxnSp>
+        <p:nvCxnSpPr>
+          <p:cNvPr id="5" name="Elbow Connector 4"/>
+          <p:cNvCxnSpPr>
+            <a:stCxn id="2" idx="0"/>
+            <a:endCxn id="3" idx="1"/>
+          </p:cNvCxnSpPr>
+          <p:nvPr/>
+        </p:nvCxnSpPr>
+        <p:spPr>
+          <a:xfrm rot="16200000" flipH="true" flipV="true">
+            <a:off x="1370965" y="2403475"/>
+            <a:ext cx="2613660" cy="2631440"/>
+          </a:xfrm>
+          <a:prstGeom prst="bentConnector4">
+            <a:avLst>
+              <a:gd name="adj1" fmla="val -9111"/>
+              <a:gd name="adj2" fmla="val 109049"/>
+            </a:avLst>
+          </a:prstGeom>
+          <a:ln w="38100">
+            <a:solidFill>
+              <a:srgbClr val="FFC000"/>
+            </a:solidFill>
+            <a:tailEnd type="arrow"/>
+          </a:ln>
+        </p:spPr>
+        <p:style>
+          <a:lnRef idx="1">
+            <a:schemeClr val="accent1"/>
+          </a:lnRef>
+          <a:fillRef idx="0">
+            <a:schemeClr val="accent1"/>
+          </a:fillRef>
+          <a:effectRef idx="0">
+            <a:schemeClr val="accent1"/>
+          </a:effectRef>
+          <a:fontRef idx="minor">
+            <a:schemeClr val="tx1"/>
+          </a:fontRef>
+        </p:style>
+      </p:cxnSp>
+      <p:sp>
+        <p:nvSpPr>
+          <p:cNvPr id="6" name="Rectangle 5"/>
+          <p:cNvSpPr/>
+          <p:nvPr/>
+        </p:nvSpPr>
+        <p:spPr>
+          <a:xfrm>
+            <a:off x="4908550" y="4764405"/>
+            <a:ext cx="1406525" cy="522605"/>
+          </a:xfrm>
+          <a:prstGeom prst="rect">
+            <a:avLst/>
+          </a:prstGeom>
+          <a:noFill/>
+          <a:ln w="38100">
+            <a:solidFill>
+              <a:srgbClr val="2C3E50"/>
+            </a:solidFill>
+          </a:ln>
+          <a:extLst>
+            <a:ext uri="{909E8E84-426E-40DD-AFC4-6F175D3DCCD1}">
+              <a14:hiddenFill xmlns:a14="http://schemas.microsoft.com/office/drawing/2010/main">
+                <a:solidFill>
+                  <a:schemeClr val="accent1"/>
+                </a:solidFill>
+              </a14:hiddenFill>
+            </a:ext>
+          </a:extLst>
+        </p:spPr>
+        <p:style>
+          <a:lnRef idx="2">
+            <a:schemeClr val="accent1">
+              <a:shade val="50000"/>
+            </a:schemeClr>
+          </a:lnRef>
+          <a:fillRef idx="1">
+            <a:schemeClr val="accent1"/>
+          </a:fillRef>
+          <a:effectRef idx="0">
+            <a:schemeClr val="accent1"/>
+          </a:effectRef>
+          <a:fontRef idx="minor">
+            <a:schemeClr val="lt1"/>
+          </a:fontRef>
+        </p:style>
+        <p:txBody>
+          <a:bodyPr rtlCol="0" anchor="ctr"/>
+          <a:p>
+            <a:pPr algn="ctr"/>
+            <a:r>
+              <a:rPr lang="zh-CN" altLang="" b="1">
+                <a:solidFill>
+                  <a:srgbClr val="2C3E50"/>
+                </a:solidFill>
+                <a:sym typeface="+mn-ea"/>
+              </a:rPr>
+              <a:t>中断产生</a:t>
+            </a:r>
+            <a:endParaRPr lang="zh-CN" altLang="" b="1">
+              <a:solidFill>
+                <a:srgbClr val="2C3E50"/>
+              </a:solidFill>
+              <a:sym typeface="+mn-ea"/>
+            </a:endParaRPr>
+          </a:p>
+        </p:txBody>
+      </p:sp>
+      <p:cxnSp>
+        <p:nvCxnSpPr>
+          <p:cNvPr id="14" name="Straight Arrow Connector 13"/>
+          <p:cNvCxnSpPr>
+            <a:stCxn id="3" idx="3"/>
+            <a:endCxn id="6" idx="1"/>
+          </p:cNvCxnSpPr>
+          <p:nvPr/>
+        </p:nvCxnSpPr>
+        <p:spPr>
+          <a:xfrm>
+            <a:off x="3789045" y="5026025"/>
+            <a:ext cx="1119505" cy="0"/>
+          </a:xfrm>
+          <a:prstGeom prst="straightConnector1">
+            <a:avLst/>
+          </a:prstGeom>
+          <a:ln w="38100">
+            <a:solidFill>
+              <a:srgbClr val="C00000"/>
+            </a:solidFill>
+            <a:tailEnd type="arrow"/>
+          </a:ln>
+        </p:spPr>
+        <p:style>
+          <a:lnRef idx="1">
+            <a:schemeClr val="accent1"/>
+          </a:lnRef>
+          <a:fillRef idx="0">
+            <a:schemeClr val="accent1"/>
+          </a:fillRef>
+          <a:effectRef idx="0">
+            <a:schemeClr val="accent1"/>
+          </a:effectRef>
+          <a:fontRef idx="minor">
+            <a:schemeClr val="tx1"/>
+          </a:fontRef>
+        </p:style>
+      </p:cxnSp>
+      <p:cxnSp>
+        <p:nvCxnSpPr>
+          <p:cNvPr id="28" name="Elbow Connector 27"/>
+          <p:cNvCxnSpPr>
+            <a:stCxn id="6" idx="3"/>
+          </p:cNvCxnSpPr>
+          <p:nvPr/>
+        </p:nvCxnSpPr>
+        <p:spPr>
+          <a:xfrm flipV="true">
+            <a:off x="6315075" y="2908300"/>
+            <a:ext cx="1833880" cy="2117725"/>
+          </a:xfrm>
+          <a:prstGeom prst="bentConnector2">
+            <a:avLst/>
+          </a:prstGeom>
+          <a:ln w="38100">
+            <a:solidFill>
+              <a:srgbClr val="C00000"/>
+            </a:solidFill>
+            <a:tailEnd type="arrow"/>
+          </a:ln>
+        </p:spPr>
+        <p:style>
+          <a:lnRef idx="1">
+            <a:schemeClr val="accent1"/>
+          </a:lnRef>
+          <a:fillRef idx="0">
+            <a:schemeClr val="accent1"/>
+          </a:fillRef>
+          <a:effectRef idx="0">
+            <a:schemeClr val="accent1"/>
+          </a:effectRef>
+          <a:fontRef idx="minor">
+            <a:schemeClr val="tx1"/>
+          </a:fontRef>
+        </p:style>
+      </p:cxnSp>
+    </p:spTree>
+  </p:cSld>
+  <p:clrMapOvr>
+    <a:masterClrMapping/>
+  </p:clrMapOvr>
+</p:sld>
+</file>
+
+<file path=ppt/slides/slide17.xml><?xml version="1.0" encoding="utf-8"?>
+<p:sld xmlns:a="http://schemas.openxmlformats.org/drawingml/2006/main" xmlns:r="http://schemas.openxmlformats.org/officeDocument/2006/relationships" xmlns:p="http://schemas.openxmlformats.org/presentationml/2006/main">
+  <p:cSld>
+    <p:spTree>
+      <p:nvGrpSpPr>
+        <p:cNvPr id="1" name=""/>
+        <p:cNvGrpSpPr/>
+        <p:nvPr/>
+      </p:nvGrpSpPr>
+      <p:grpSpPr/>
+    </p:spTree>
+  </p:cSld>
+  <p:clrMapOvr>
+    <a:masterClrMapping/>
+  </p:clrMapOvr>
+</p:sld>
+</file>
+
+<file path=ppt/slides/slide18.xml><?xml version="1.0" encoding="utf-8"?>
+<p:sld xmlns:a="http://schemas.openxmlformats.org/drawingml/2006/main" xmlns:r="http://schemas.openxmlformats.org/officeDocument/2006/relationships" xmlns:p="http://schemas.openxmlformats.org/presentationml/2006/main">
+  <p:cSld>
+    <p:spTree>
+      <p:nvGrpSpPr>
+        <p:cNvPr id="1" name=""/>
+        <p:cNvGrpSpPr/>
+        <p:nvPr/>
+      </p:nvGrpSpPr>
+      <p:grpSpPr/>
+    </p:spTree>
+  </p:cSld>
+  <p:clrMapOvr>
+    <a:masterClrMapping/>
+  </p:clrMapOvr>
+</p:sld>
+</file>
+
+<file path=ppt/slides/slide19.xml><?xml version="1.0" encoding="utf-8"?>
 <p:sld xmlns:a="http://schemas.openxmlformats.org/drawingml/2006/main" xmlns:r="http://schemas.openxmlformats.org/officeDocument/2006/relationships" xmlns:p="http://schemas.openxmlformats.org/presentationml/2006/main">
   <p:cSld>
     <p:spTree>
@@ -8276,6 +12488,24 @@
           </a:p>
         </p:txBody>
       </p:sp>
+    </p:spTree>
+  </p:cSld>
+  <p:clrMapOvr>
+    <a:masterClrMapping/>
+  </p:clrMapOvr>
+</p:sld>
+</file>
+
+<file path=ppt/slides/slide20.xml><?xml version="1.0" encoding="utf-8"?>
+<p:sld xmlns:a="http://schemas.openxmlformats.org/drawingml/2006/main" xmlns:r="http://schemas.openxmlformats.org/officeDocument/2006/relationships" xmlns:p="http://schemas.openxmlformats.org/presentationml/2006/main">
+  <p:cSld>
+    <p:spTree>
+      <p:nvGrpSpPr>
+        <p:cNvPr id="1" name=""/>
+        <p:cNvGrpSpPr/>
+        <p:nvPr/>
+      </p:nvGrpSpPr>
+      <p:grpSpPr/>
     </p:spTree>
   </p:cSld>
   <p:clrMapOvr>

--- a/picture/ppt/tools/tools.pptx
+++ b/picture/ppt/tools/tools.pptx
@@ -5663,25 +5663,17 @@
                   <a:srgbClr val="2C3E50"/>
                 </a:solidFill>
               </a:rPr>
-              <a:t>perf / </a:t>
-            </a:r>
-            <a:r>
-              <a:rPr lang="" altLang="en-US" sz="2800" b="1">
-                <a:solidFill>
-                  <a:srgbClr val="2C3E50"/>
-                </a:solidFill>
-              </a:rPr>
-              <a:t>OPEN</a:t>
-            </a:r>
-            <a:r>
-              <a:rPr lang="zh-CN" altLang="" sz="2800" b="1">
+              <a:t>perf / OPEN</a:t>
+            </a:r>
+            <a:r>
+              <a:rPr lang="zh-CN" altLang="en-US" sz="2800" b="1">
                 <a:solidFill>
                   <a:srgbClr val="2C3E50"/>
                 </a:solidFill>
               </a:rPr>
               <a:t>过程</a:t>
             </a:r>
-            <a:endParaRPr lang="zh-CN" altLang="" sz="2800" b="1">
+            <a:endParaRPr lang="zh-CN" altLang="en-US" sz="2800" b="1">
               <a:solidFill>
                 <a:srgbClr val="2C3E50"/>
               </a:solidFill>
@@ -5778,14 +5770,14 @@
           <a:p>
             <a:pPr algn="ctr"/>
             <a:r>
-              <a:rPr lang="" altLang="en-US" sz="1400" b="1">
+              <a:rPr lang="en-US" altLang="en-US" sz="1400" b="1">
                 <a:solidFill>
                   <a:srgbClr val="2C3E50"/>
                 </a:solidFill>
               </a:rPr>
               <a:t>perf_event</a:t>
             </a:r>
-            <a:endParaRPr lang="" altLang="en-US" sz="1400" b="1">
+            <a:endParaRPr lang="en-US" altLang="en-US" sz="1400" b="1">
               <a:solidFill>
                 <a:srgbClr val="2C3E50"/>
               </a:solidFill>
@@ -5844,14 +5836,14 @@
           <a:p>
             <a:pPr algn="ctr"/>
             <a:r>
-              <a:rPr lang="" altLang="en-US" b="1">
+              <a:rPr lang="en-US" altLang="en-US" b="1">
                 <a:solidFill>
                   <a:srgbClr val="2C3E50"/>
                 </a:solidFill>
               </a:rPr>
               <a:t>PMU</a:t>
             </a:r>
-            <a:endParaRPr lang="" altLang="en-US" b="1">
+            <a:endParaRPr lang="en-US" altLang="en-US" b="1">
               <a:solidFill>
                 <a:srgbClr val="2C3E50"/>
               </a:solidFill>
@@ -5882,14 +5874,14 @@
           <a:p>
             <a:pPr algn="l"/>
             <a:r>
-              <a:rPr lang="" altLang="en-US" b="1">
+              <a:rPr lang="en-US" altLang="en-US" b="1">
                 <a:solidFill>
                   <a:srgbClr val="2C3E50"/>
                 </a:solidFill>
               </a:rPr>
               <a:t>alloc</a:t>
             </a:r>
-            <a:endParaRPr lang="" altLang="en-US" b="1">
+            <a:endParaRPr lang="en-US" altLang="en-US" b="1">
               <a:solidFill>
                 <a:srgbClr val="2C3E50"/>
               </a:solidFill>
@@ -5948,14 +5940,14 @@
           <a:p>
             <a:pPr algn="ctr"/>
             <a:r>
-              <a:rPr lang="" altLang="en-US" b="1">
+              <a:rPr lang="en-US" altLang="en-US" b="1">
                 <a:solidFill>
                   <a:srgbClr val="2C3E50"/>
                 </a:solidFill>
               </a:rPr>
               <a:t>process</a:t>
             </a:r>
-            <a:endParaRPr lang="" altLang="en-US" b="1">
+            <a:endParaRPr lang="en-US" altLang="en-US" b="1">
               <a:solidFill>
                 <a:srgbClr val="2C3E50"/>
               </a:solidFill>
@@ -5964,7 +5956,7 @@
           <a:p>
             <a:pPr algn="ctr"/>
             <a:r>
-              <a:rPr lang="" altLang="en-US" b="1">
+              <a:rPr lang="en-US" altLang="en-US" b="1">
                 <a:solidFill>
                   <a:srgbClr val="2C3E50"/>
                 </a:solidFill>
@@ -5972,14 +5964,14 @@
               <a:t>.</a:t>
             </a:r>
             <a:r>
-              <a:rPr lang="" altLang="en-US" sz="1000" b="1">
+              <a:rPr lang="en-US" altLang="en-US" sz="1000" b="1">
                 <a:solidFill>
                   <a:srgbClr val="2C3E50"/>
                 </a:solidFill>
               </a:rPr>
               <a:t>perf_event_context</a:t>
             </a:r>
-            <a:endParaRPr lang="" altLang="en-US" sz="1000" b="1">
+            <a:endParaRPr lang="en-US" altLang="en-US" sz="1000" b="1">
               <a:solidFill>
                 <a:srgbClr val="2C3E50"/>
               </a:solidFill>
@@ -6038,14 +6030,14 @@
           <a:p>
             <a:pPr algn="ctr"/>
             <a:r>
-              <a:rPr lang="" altLang="en-US" b="1">
+              <a:rPr lang="en-US" altLang="en-US" b="1">
                 <a:solidFill>
                   <a:srgbClr val="2C3E50"/>
                 </a:solidFill>
               </a:rPr>
               <a:t>CPU</a:t>
             </a:r>
-            <a:endParaRPr lang="" altLang="en-US" b="1">
+            <a:endParaRPr lang="en-US" altLang="en-US" b="1">
               <a:solidFill>
                 <a:srgbClr val="2C3E50"/>
               </a:solidFill>
@@ -6071,7 +6063,7 @@
               </a:rPr>
               <a:t>perf_event_context</a:t>
             </a:r>
-            <a:endParaRPr lang="" altLang="en-US" b="1">
+            <a:endParaRPr lang="en-US" altLang="en-US" b="1">
               <a:solidFill>
                 <a:srgbClr val="2C3E50"/>
               </a:solidFill>
@@ -6149,7 +6141,7 @@
               <a:t>根据</a:t>
             </a:r>
             <a:r>
-              <a:rPr lang="" altLang="zh-CN" sz="1000" b="1">
+              <a:rPr lang="en-US" altLang="zh-CN" sz="1000" b="1">
                 <a:solidFill>
                   <a:srgbClr val="2C3E50"/>
                 </a:solidFill>
@@ -6157,7 +6149,7 @@
               <a:t>perf_event</a:t>
             </a:r>
             <a:r>
-              <a:rPr lang="zh-CN" altLang="" sz="1000" b="1">
+              <a:rPr lang="zh-CN" altLang="en-US" sz="1000" b="1">
                 <a:solidFill>
                   <a:srgbClr val="2C3E50"/>
                 </a:solidFill>
@@ -6165,7 +6157,7 @@
               <a:t>的</a:t>
             </a:r>
             <a:r>
-              <a:rPr lang="" altLang="zh-CN" sz="1000" b="1">
+              <a:rPr lang="en-US" altLang="zh-CN" sz="1000" b="1">
                 <a:solidFill>
                   <a:srgbClr val="2C3E50"/>
                 </a:solidFill>
@@ -6173,7 +6165,7 @@
               <a:t>type</a:t>
             </a:r>
             <a:r>
-              <a:rPr lang="zh-CN" altLang="" sz="1000" b="1">
+              <a:rPr lang="zh-CN" altLang="en-US" sz="1000" b="1">
                 <a:solidFill>
                   <a:srgbClr val="2C3E50"/>
                 </a:solidFill>
@@ -6181,14 +6173,14 @@
               <a:t>找到对应的</a:t>
             </a:r>
             <a:r>
-              <a:rPr lang="" altLang="zh-CN" sz="1000" b="1">
+              <a:rPr lang="en-US" altLang="zh-CN" sz="1000" b="1">
                 <a:solidFill>
                   <a:srgbClr val="2C3E50"/>
                 </a:solidFill>
               </a:rPr>
               <a:t>pmu</a:t>
             </a:r>
-            <a:endParaRPr lang="" altLang="zh-CN" sz="1000" b="1">
+            <a:endParaRPr lang="en-US" altLang="zh-CN" sz="1000" b="1">
               <a:solidFill>
                 <a:srgbClr val="2C3E50"/>
               </a:solidFill>
@@ -6313,14 +6305,14 @@
           <a:p>
             <a:pPr algn="ctr"/>
             <a:r>
-              <a:rPr lang="" altLang="en-US" sz="1000" b="1">
+              <a:rPr lang="en-US" altLang="en-US" sz="1000" b="1">
                 <a:solidFill>
                   <a:srgbClr val="2C3E50"/>
                 </a:solidFill>
               </a:rPr>
               <a:t>pid &gt;= 0</a:t>
             </a:r>
-            <a:endParaRPr lang="" altLang="en-US" sz="1000" b="1">
+            <a:endParaRPr lang="en-US" altLang="en-US" sz="1000" b="1">
               <a:solidFill>
                 <a:srgbClr val="2C3E50"/>
               </a:solidFill>
@@ -6477,7 +6469,7 @@
               <a:t>根据</a:t>
             </a:r>
             <a:r>
-              <a:rPr lang="" altLang="zh-CN" sz="1000" b="1">
+              <a:rPr lang="en-US" altLang="zh-CN" sz="1000" b="1">
                 <a:solidFill>
                   <a:srgbClr val="2C3E50"/>
                 </a:solidFill>
@@ -6486,7 +6478,7 @@
               <a:t>open</a:t>
             </a:r>
             <a:r>
-              <a:rPr lang="zh-CN" altLang="" sz="1000" b="1">
+              <a:rPr lang="zh-CN" altLang="en-US" sz="1000" b="1">
                 <a:solidFill>
                   <a:srgbClr val="2C3E50"/>
                 </a:solidFill>
@@ -6495,7 +6487,7 @@
               <a:t>时传入的</a:t>
             </a:r>
             <a:r>
-              <a:rPr lang="" altLang="zh-CN" sz="1000" b="1">
+              <a:rPr lang="en-US" altLang="zh-CN" sz="1000" b="1">
                 <a:solidFill>
                   <a:srgbClr val="2C3E50"/>
                 </a:solidFill>
@@ -6503,7 +6495,7 @@
               </a:rPr>
               <a:t>pid,</a:t>
             </a:r>
-            <a:endParaRPr lang="" altLang="zh-CN" sz="1000" b="1">
+            <a:endParaRPr lang="en-US" altLang="zh-CN" sz="1000" b="1">
               <a:solidFill>
                 <a:srgbClr val="2C3E50"/>
               </a:solidFill>
@@ -6560,14 +6552,14 @@
           </a:bodyPr>
           <a:p>
             <a:r>
-              <a:rPr lang="" altLang="en-US" b="1">
+              <a:rPr lang="en-US" altLang="en-US" b="1">
                 <a:solidFill>
                   <a:srgbClr val="2C3E50"/>
                 </a:solidFill>
               </a:rPr>
               <a:t>N</a:t>
             </a:r>
-            <a:endParaRPr lang="" altLang="en-US" b="1">
+            <a:endParaRPr lang="en-US" altLang="en-US" b="1">
               <a:solidFill>
                 <a:srgbClr val="2C3E50"/>
               </a:solidFill>
@@ -6597,14 +6589,14 @@
           </a:bodyPr>
           <a:p>
             <a:r>
-              <a:rPr lang="" altLang="en-US" b="1">
+              <a:rPr lang="en-US" altLang="en-US" b="1">
                 <a:solidFill>
                   <a:srgbClr val="2C3E50"/>
                 </a:solidFill>
               </a:rPr>
               <a:t>Y</a:t>
             </a:r>
-            <a:endParaRPr lang="" altLang="en-US" b="1">
+            <a:endParaRPr lang="en-US" altLang="en-US" b="1">
               <a:solidFill>
                 <a:srgbClr val="2C3E50"/>
               </a:solidFill>
@@ -6643,7 +6635,7 @@
               <a:t>把</a:t>
             </a:r>
             <a:r>
-              <a:rPr lang="" altLang="zh-CN" sz="1200" b="1">
+              <a:rPr lang="en-US" altLang="zh-CN" sz="1200" b="1">
                 <a:solidFill>
                   <a:srgbClr val="2C3E50"/>
                 </a:solidFill>
@@ -9288,25 +9280,17 @@
                   <a:srgbClr val="2C3E50"/>
                 </a:solidFill>
               </a:rPr>
-              <a:t>perf / software</a:t>
-            </a:r>
-            <a:r>
-              <a:rPr lang="" altLang="en-US" sz="2800" b="1">
-                <a:solidFill>
-                  <a:srgbClr val="2C3E50"/>
-                </a:solidFill>
-              </a:rPr>
-              <a:t> events</a:t>
-            </a:r>
-            <a:r>
-              <a:rPr lang="zh-CN" altLang="" sz="2800" b="1">
+              <a:t>perf / software events</a:t>
+            </a:r>
+            <a:r>
+              <a:rPr lang="zh-CN" altLang="en-US" sz="2800" b="1">
                 <a:solidFill>
                   <a:srgbClr val="2C3E50"/>
                 </a:solidFill>
               </a:rPr>
               <a:t>原理</a:t>
             </a:r>
-            <a:endParaRPr lang="zh-CN" altLang="" sz="2800" b="1">
+            <a:endParaRPr lang="zh-CN" altLang="en-US" sz="2800" b="1">
               <a:solidFill>
                 <a:srgbClr val="2C3E50"/>
               </a:solidFill>
@@ -9381,14 +9365,14 @@
           <a:p>
             <a:pPr algn="ctr"/>
             <a:r>
-              <a:rPr lang="" altLang="en-US" b="1">
+              <a:rPr lang="en-US" altLang="en-US" b="1">
                 <a:solidFill>
                   <a:srgbClr val="2C3E50"/>
                 </a:solidFill>
               </a:rPr>
               <a:t>perf_swevent</a:t>
             </a:r>
-            <a:endParaRPr lang="" altLang="en-US" b="1">
+            <a:endParaRPr lang="en-US" altLang="en-US" b="1">
               <a:solidFill>
                 <a:srgbClr val="2C3E50"/>
               </a:solidFill>
@@ -9583,14 +9567,14 @@
           <a:p>
             <a:pPr algn="ctr"/>
             <a:r>
-              <a:rPr lang="zh-CN" altLang="" sz="1200" b="1">
+              <a:rPr lang="zh-CN" altLang="en-US" sz="1200" b="1">
                 <a:solidFill>
                   <a:srgbClr val="2C3E50"/>
                 </a:solidFill>
               </a:rPr>
               <a:t>使能相应的事件</a:t>
             </a:r>
-            <a:endParaRPr lang="zh-CN" altLang="" sz="1200" b="1">
+            <a:endParaRPr lang="zh-CN" altLang="en-US" sz="1200" b="1">
               <a:solidFill>
                 <a:srgbClr val="2C3E50"/>
               </a:solidFill>
@@ -10395,31 +10379,7 @@
                   <a:srgbClr val="2C3E50"/>
                 </a:solidFill>
               </a:rPr>
-              <a:t>perf / software </a:t>
-            </a:r>
-            <a:r>
-              <a:rPr lang="" altLang="en-US" sz="2800" b="1">
-                <a:solidFill>
-                  <a:srgbClr val="2C3E50"/>
-                </a:solidFill>
-              </a:rPr>
-              <a:t>cpu</a:t>
-            </a:r>
-            <a:r>
-              <a:rPr lang="en-US" altLang="" sz="2800" b="1">
-                <a:solidFill>
-                  <a:srgbClr val="2C3E50"/>
-                </a:solidFill>
-              </a:rPr>
-              <a:t>/</a:t>
-            </a:r>
-            <a:r>
-              <a:rPr lang="" altLang="en-US" sz="2800" b="1">
-                <a:solidFill>
-                  <a:srgbClr val="2C3E50"/>
-                </a:solidFill>
-              </a:rPr>
-              <a:t>task clock</a:t>
+              <a:t>perf / software cpu/task clock</a:t>
             </a:r>
             <a:r>
               <a:rPr lang="zh-CN" altLang="en-US" sz="2800" b="1">
@@ -10903,14 +10863,14 @@
           <a:p>
             <a:pPr algn="ctr"/>
             <a:r>
-              <a:rPr lang="zh-CN" altLang="" b="1">
+              <a:rPr lang="zh-CN" altLang="en-US" b="1">
                 <a:solidFill>
                   <a:srgbClr val="2C3E50"/>
                 </a:solidFill>
               </a:rPr>
               <a:t>启动定时器</a:t>
             </a:r>
-            <a:endParaRPr lang="zh-CN" altLang="" b="1">
+            <a:endParaRPr lang="zh-CN" altLang="en-US" b="1">
               <a:solidFill>
                 <a:srgbClr val="2C3E50"/>
               </a:solidFill>
@@ -11428,14 +11388,14 @@
           <a:p>
             <a:pPr algn="ctr"/>
             <a:r>
-              <a:rPr lang="" altLang="en-US" b="1">
+              <a:rPr lang="en-US" altLang="en-US" b="1">
                 <a:solidFill>
                   <a:srgbClr val="2C3E50"/>
                 </a:solidFill>
               </a:rPr>
               <a:t>cpu counter[1-7]</a:t>
             </a:r>
-            <a:endParaRPr lang="" altLang="en-US" b="1">
+            <a:endParaRPr lang="en-US" altLang="en-US" b="1">
               <a:solidFill>
                 <a:srgbClr val="2C3E50"/>
               </a:solidFill>
@@ -11444,7 +11404,7 @@
           <a:p>
             <a:pPr algn="ctr"/>
             <a:r>
-              <a:rPr lang="zh-CN" altLang="" sz="1200" b="1">
+              <a:rPr lang="zh-CN" altLang="en-US" sz="1200" b="1">
                 <a:solidFill>
                   <a:srgbClr val="2C3E50"/>
                 </a:solidFill>
@@ -11460,14 +11420,14 @@
               <a:t> </a:t>
             </a:r>
             <a:r>
-              <a:rPr lang="" altLang="en-US" sz="1200" b="1">
+              <a:rPr lang="en-US" altLang="en-US" sz="1200" b="1">
                 <a:solidFill>
                   <a:srgbClr val="2C3E50"/>
                 </a:solidFill>
               </a:rPr>
               <a:t>counter</a:t>
             </a:r>
-            <a:endParaRPr lang="" altLang="en-US" sz="1200" b="1">
+            <a:endParaRPr lang="en-US" altLang="en-US" sz="1200" b="1">
               <a:solidFill>
                 <a:srgbClr val="2C3E50"/>
               </a:solidFill>
@@ -11526,7 +11486,7 @@
           <a:p>
             <a:pPr algn="ctr"/>
             <a:r>
-              <a:rPr lang="" sz="1200" b="1">
+              <a:rPr lang="en-US" sz="1200" b="1">
                 <a:solidFill>
                   <a:srgbClr val="2C3E50"/>
                 </a:solidFill>
@@ -11534,14 +11494,14 @@
               <a:t> </a:t>
             </a:r>
             <a:r>
-              <a:rPr lang="zh-CN" altLang="" sz="1200" b="1">
+              <a:rPr lang="zh-CN" altLang="en-US" sz="1200" b="1">
                 <a:solidFill>
                   <a:srgbClr val="2C3E50"/>
                 </a:solidFill>
               </a:rPr>
               <a:t>注册相应的中断</a:t>
             </a:r>
-            <a:endParaRPr lang="zh-CN" altLang="" sz="1200" b="1">
+            <a:endParaRPr lang="zh-CN" altLang="en-US" sz="1200" b="1">
               <a:solidFill>
                 <a:srgbClr val="2C3E50"/>
               </a:solidFill>
@@ -12285,7 +12245,7 @@
           <a:p>
             <a:pPr algn="ctr"/>
             <a:r>
-              <a:rPr lang="zh-CN" altLang="" b="1">
+              <a:rPr lang="zh-CN" altLang="en-US" b="1">
                 <a:solidFill>
                   <a:srgbClr val="2C3E50"/>
                 </a:solidFill>
@@ -12293,7 +12253,7 @@
               </a:rPr>
               <a:t>中断产生</a:t>
             </a:r>
-            <a:endParaRPr lang="zh-CN" altLang="" b="1">
+            <a:endParaRPr lang="zh-CN" altLang="en-US" b="1">
               <a:solidFill>
                 <a:srgbClr val="2C3E50"/>
               </a:solidFill>
